--- a/990_【火】研究会/20230613_01_高矢_研究会/20230613_高矢_研究会.pptx
+++ b/990_【火】研究会/20230613_01_高矢_研究会/20230613_高矢_研究会.pptx
@@ -5,23 +5,24 @@
     <p:sldMasterId id="2147483648" r:id="rId1"/>
   </p:sldMasterIdLst>
   <p:notesMasterIdLst>
-    <p:notesMasterId r:id="rId13"/>
+    <p:notesMasterId r:id="rId14"/>
   </p:notesMasterIdLst>
   <p:sldIdLst>
     <p:sldId id="256" r:id="rId2"/>
-    <p:sldId id="263" r:id="rId3"/>
-    <p:sldId id="257" r:id="rId4"/>
-    <p:sldId id="259" r:id="rId5"/>
-    <p:sldId id="260" r:id="rId6"/>
-    <p:sldId id="261" r:id="rId7"/>
-    <p:sldId id="262" r:id="rId8"/>
-    <p:sldId id="264" r:id="rId9"/>
-    <p:sldId id="265" r:id="rId10"/>
-    <p:sldId id="266" r:id="rId11"/>
-    <p:sldId id="276" r:id="rId12"/>
+    <p:sldId id="257" r:id="rId3"/>
+    <p:sldId id="259" r:id="rId4"/>
+    <p:sldId id="260" r:id="rId5"/>
+    <p:sldId id="261" r:id="rId6"/>
+    <p:sldId id="262" r:id="rId7"/>
+    <p:sldId id="264" r:id="rId8"/>
+    <p:sldId id="265" r:id="rId9"/>
+    <p:sldId id="280" r:id="rId10"/>
+    <p:sldId id="281" r:id="rId11"/>
+    <p:sldId id="266" r:id="rId12"/>
+    <p:sldId id="276" r:id="rId13"/>
   </p:sldIdLst>
   <p:sldSz cx="12192000" cy="6858000"/>
-  <p:notesSz cx="6858000" cy="9144000"/>
+  <p:notesSz cx="9926638" cy="6797675"/>
   <p:defaultTextStyle>
     <a:defPPr>
       <a:defRPr lang="ja-JP"/>
@@ -117,7 +118,1104 @@
       </a:defRPr>
     </a:lvl9pPr>
   </p:defaultTextStyle>
+  <p:extLst>
+    <p:ext uri="{EFAFB233-063F-42B5-8137-9DF3F51BA10A}">
+      <p15:sldGuideLst xmlns:p15="http://schemas.microsoft.com/office/powerpoint/2012/main"/>
+    </p:ext>
+  </p:extLst>
 </p:presentation>
+</file>
+
+<file path=ppt/charts/chart1.xml><?xml version="1.0" encoding="utf-8"?>
+<c:chartSpace xmlns:c="http://schemas.openxmlformats.org/drawingml/2006/chart" xmlns:a="http://schemas.openxmlformats.org/drawingml/2006/main" xmlns:r="http://schemas.openxmlformats.org/officeDocument/2006/relationships" xmlns:c16r2="http://schemas.microsoft.com/office/drawing/2015/06/chart">
+  <c:date1904 val="0"/>
+  <c:lang val="ja-JP"/>
+  <c:roundedCorners val="0"/>
+  <mc:AlternateContent xmlns:mc="http://schemas.openxmlformats.org/markup-compatibility/2006">
+    <mc:Choice xmlns:c14="http://schemas.microsoft.com/office/drawing/2007/8/2/chart" Requires="c14">
+      <c14:style val="102"/>
+    </mc:Choice>
+    <mc:Fallback>
+      <c:style val="2"/>
+    </mc:Fallback>
+  </mc:AlternateContent>
+  <c:chart>
+    <c:title>
+      <c:tx>
+        <c:rich>
+          <a:bodyPr rot="0" spcFirstLastPara="1" vertOverflow="ellipsis" vert="horz" wrap="square" anchor="ctr" anchorCtr="1"/>
+          <a:lstStyle/>
+          <a:p>
+            <a:pPr>
+              <a:defRPr sz="1400" b="1" i="0" u="none" strike="noStrike" kern="1200" cap="none" baseline="0">
+                <a:solidFill>
+                  <a:schemeClr val="lt1">
+                    <a:lumMod val="85000"/>
+                  </a:schemeClr>
+                </a:solidFill>
+                <a:latin typeface="+mn-lt"/>
+                <a:ea typeface="+mn-ea"/>
+                <a:cs typeface="+mn-cs"/>
+              </a:defRPr>
+            </a:pPr>
+            <a:r>
+              <a:rPr lang="ja-JP"/>
+              <a:t>拡散回数と実行時間の関係図</a:t>
+            </a:r>
+          </a:p>
+        </c:rich>
+      </c:tx>
+      <c:overlay val="0"/>
+      <c:spPr>
+        <a:noFill/>
+        <a:ln>
+          <a:noFill/>
+        </a:ln>
+        <a:effectLst/>
+      </c:spPr>
+      <c:txPr>
+        <a:bodyPr rot="0" spcFirstLastPara="1" vertOverflow="ellipsis" vert="horz" wrap="square" anchor="ctr" anchorCtr="1"/>
+        <a:lstStyle/>
+        <a:p>
+          <a:pPr>
+            <a:defRPr sz="1400" b="1" i="0" u="none" strike="noStrike" kern="1200" cap="none" baseline="0">
+              <a:solidFill>
+                <a:schemeClr val="lt1">
+                  <a:lumMod val="85000"/>
+                </a:schemeClr>
+              </a:solidFill>
+              <a:latin typeface="+mn-lt"/>
+              <a:ea typeface="+mn-ea"/>
+              <a:cs typeface="+mn-cs"/>
+            </a:defRPr>
+          </a:pPr>
+          <a:endParaRPr lang="ja-JP"/>
+        </a:p>
+      </c:txPr>
+    </c:title>
+    <c:autoTitleDeleted val="0"/>
+    <c:plotArea>
+      <c:layout>
+        <c:manualLayout>
+          <c:layoutTarget val="inner"/>
+          <c:xMode val="edge"/>
+          <c:yMode val="edge"/>
+          <c:x val="0.10102537182852142"/>
+          <c:y val="0.21655110819480899"/>
+          <c:w val="0.86048264800233309"/>
+          <c:h val="0.67604950422863808"/>
+        </c:manualLayout>
+      </c:layout>
+      <c:barChart>
+        <c:barDir val="col"/>
+        <c:grouping val="clustered"/>
+        <c:varyColors val="0"/>
+        <c:ser>
+          <c:idx val="0"/>
+          <c:order val="0"/>
+          <c:spPr>
+            <a:noFill/>
+            <a:ln w="9525" cap="flat" cmpd="sng" algn="ctr">
+              <a:solidFill>
+                <a:schemeClr val="accent1"/>
+              </a:solidFill>
+              <a:miter lim="800000"/>
+            </a:ln>
+            <a:effectLst>
+              <a:glow rad="63500">
+                <a:schemeClr val="accent1">
+                  <a:satMod val="175000"/>
+                  <a:alpha val="25000"/>
+                </a:schemeClr>
+              </a:glow>
+            </a:effectLst>
+          </c:spPr>
+          <c:invertIfNegative val="0"/>
+          <c:trendline>
+            <c:spPr>
+              <a:ln w="25400" cap="rnd">
+                <a:solidFill>
+                  <a:schemeClr val="accent1">
+                    <a:alpha val="50000"/>
+                  </a:schemeClr>
+                </a:solidFill>
+              </a:ln>
+              <a:effectLst/>
+            </c:spPr>
+            <c:trendlineType val="exp"/>
+            <c:dispRSqr val="1"/>
+            <c:dispEq val="1"/>
+            <c:trendlineLbl>
+              <c:numFmt formatCode="General" sourceLinked="0"/>
+              <c:spPr>
+                <a:noFill/>
+                <a:ln>
+                  <a:noFill/>
+                </a:ln>
+                <a:effectLst/>
+              </c:spPr>
+              <c:txPr>
+                <a:bodyPr rot="0" spcFirstLastPara="1" vertOverflow="ellipsis" vert="horz" wrap="square" anchor="ctr" anchorCtr="1"/>
+                <a:lstStyle/>
+                <a:p>
+                  <a:pPr>
+                    <a:defRPr sz="900" b="0" i="0" u="none" strike="noStrike" kern="1200" baseline="0">
+                      <a:solidFill>
+                        <a:schemeClr val="lt1">
+                          <a:lumMod val="75000"/>
+                        </a:schemeClr>
+                      </a:solidFill>
+                      <a:latin typeface="+mn-lt"/>
+                      <a:ea typeface="+mn-ea"/>
+                      <a:cs typeface="+mn-cs"/>
+                    </a:defRPr>
+                  </a:pPr>
+                  <a:endParaRPr lang="ja-JP"/>
+                </a:p>
+              </c:txPr>
+            </c:trendlineLbl>
+          </c:trendline>
+          <c:val>
+            <c:numRef>
+              <c:f>Sheet1!$B$2:$B$7</c:f>
+              <c:numCache>
+                <c:formatCode>General</c:formatCode>
+                <c:ptCount val="6"/>
+                <c:pt idx="0">
+                  <c:v>0.7</c:v>
+                </c:pt>
+                <c:pt idx="1">
+                  <c:v>0.8</c:v>
+                </c:pt>
+                <c:pt idx="2">
+                  <c:v>0.8</c:v>
+                </c:pt>
+                <c:pt idx="3">
+                  <c:v>4</c:v>
+                </c:pt>
+                <c:pt idx="4">
+                  <c:v>5.9</c:v>
+                </c:pt>
+                <c:pt idx="5">
+                  <c:v>15.9</c:v>
+                </c:pt>
+              </c:numCache>
+            </c:numRef>
+          </c:val>
+          <c:extLst>
+            <c:ext xmlns:c16="http://schemas.microsoft.com/office/drawing/2014/chart" uri="{C3380CC4-5D6E-409C-BE32-E72D297353CC}">
+              <c16:uniqueId val="{00000001-7F97-4DB0-B00A-71ADF957526B}"/>
+            </c:ext>
+          </c:extLst>
+        </c:ser>
+        <c:dLbls>
+          <c:showLegendKey val="0"/>
+          <c:showVal val="0"/>
+          <c:showCatName val="0"/>
+          <c:showSerName val="0"/>
+          <c:showPercent val="0"/>
+          <c:showBubbleSize val="0"/>
+        </c:dLbls>
+        <c:gapWidth val="315"/>
+        <c:overlap val="-40"/>
+        <c:axId val="1394365439"/>
+        <c:axId val="1394363519"/>
+      </c:barChart>
+      <c:catAx>
+        <c:axId val="1394365439"/>
+        <c:scaling>
+          <c:orientation val="minMax"/>
+        </c:scaling>
+        <c:delete val="0"/>
+        <c:axPos val="b"/>
+        <c:majorGridlines>
+          <c:spPr>
+            <a:ln w="9525" cap="flat" cmpd="sng" algn="ctr">
+              <a:gradFill>
+                <a:gsLst>
+                  <a:gs pos="100000">
+                    <a:schemeClr val="dk1">
+                      <a:lumMod val="75000"/>
+                      <a:lumOff val="25000"/>
+                    </a:schemeClr>
+                  </a:gs>
+                  <a:gs pos="0">
+                    <a:schemeClr val="dk1">
+                      <a:lumMod val="65000"/>
+                      <a:lumOff val="35000"/>
+                    </a:schemeClr>
+                  </a:gs>
+                </a:gsLst>
+                <a:lin ang="5400000" scaled="0"/>
+              </a:gradFill>
+              <a:round/>
+            </a:ln>
+            <a:effectLst/>
+          </c:spPr>
+        </c:majorGridlines>
+        <c:title>
+          <c:tx>
+            <c:rich>
+              <a:bodyPr rot="0" spcFirstLastPara="1" vertOverflow="ellipsis" vert="horz" wrap="square" anchor="ctr" anchorCtr="1"/>
+              <a:lstStyle/>
+              <a:p>
+                <a:pPr>
+                  <a:defRPr sz="900" b="1" i="0" u="none" strike="noStrike" kern="1200" baseline="0">
+                    <a:solidFill>
+                      <a:schemeClr val="lt1">
+                        <a:lumMod val="75000"/>
+                      </a:schemeClr>
+                    </a:solidFill>
+                    <a:latin typeface="+mn-lt"/>
+                    <a:ea typeface="+mn-ea"/>
+                    <a:cs typeface="+mn-cs"/>
+                  </a:defRPr>
+                </a:pPr>
+                <a:r>
+                  <a:rPr lang="ja-JP"/>
+                  <a:t>秒数</a:t>
+                </a:r>
+                <a:r>
+                  <a:rPr lang="en-US"/>
+                  <a:t>(S)</a:t>
+                </a:r>
+                <a:endParaRPr lang="ja-JP"/>
+              </a:p>
+            </c:rich>
+          </c:tx>
+          <c:layout>
+            <c:manualLayout>
+              <c:xMode val="edge"/>
+              <c:yMode val="edge"/>
+              <c:x val="0.90524168853893272"/>
+              <c:y val="0.91636555847185763"/>
+            </c:manualLayout>
+          </c:layout>
+          <c:overlay val="0"/>
+          <c:spPr>
+            <a:noFill/>
+            <a:ln>
+              <a:noFill/>
+            </a:ln>
+            <a:effectLst/>
+          </c:spPr>
+          <c:txPr>
+            <a:bodyPr rot="0" spcFirstLastPara="1" vertOverflow="ellipsis" vert="horz" wrap="square" anchor="ctr" anchorCtr="1"/>
+            <a:lstStyle/>
+            <a:p>
+              <a:pPr>
+                <a:defRPr sz="900" b="1" i="0" u="none" strike="noStrike" kern="1200" baseline="0">
+                  <a:solidFill>
+                    <a:schemeClr val="lt1">
+                      <a:lumMod val="75000"/>
+                    </a:schemeClr>
+                  </a:solidFill>
+                  <a:latin typeface="+mn-lt"/>
+                  <a:ea typeface="+mn-ea"/>
+                  <a:cs typeface="+mn-cs"/>
+                </a:defRPr>
+              </a:pPr>
+              <a:endParaRPr lang="ja-JP"/>
+            </a:p>
+          </c:txPr>
+        </c:title>
+        <c:numFmt formatCode="General" sourceLinked="1"/>
+        <c:majorTickMark val="none"/>
+        <c:minorTickMark val="none"/>
+        <c:tickLblPos val="nextTo"/>
+        <c:spPr>
+          <a:noFill/>
+          <a:ln>
+            <a:noFill/>
+          </a:ln>
+          <a:effectLst/>
+        </c:spPr>
+        <c:txPr>
+          <a:bodyPr rot="-60000000" spcFirstLastPara="1" vertOverflow="ellipsis" vert="horz" wrap="square" anchor="ctr" anchorCtr="1"/>
+          <a:lstStyle/>
+          <a:p>
+            <a:pPr>
+              <a:defRPr sz="900" b="0" i="0" u="none" strike="noStrike" kern="1200" baseline="0">
+                <a:solidFill>
+                  <a:schemeClr val="lt1">
+                    <a:lumMod val="75000"/>
+                  </a:schemeClr>
+                </a:solidFill>
+                <a:latin typeface="+mn-lt"/>
+                <a:ea typeface="+mn-ea"/>
+                <a:cs typeface="+mn-cs"/>
+              </a:defRPr>
+            </a:pPr>
+            <a:endParaRPr lang="ja-JP"/>
+          </a:p>
+        </c:txPr>
+        <c:crossAx val="1394363519"/>
+        <c:crosses val="autoZero"/>
+        <c:auto val="1"/>
+        <c:lblAlgn val="ctr"/>
+        <c:lblOffset val="100"/>
+        <c:noMultiLvlLbl val="0"/>
+      </c:catAx>
+      <c:valAx>
+        <c:axId val="1394363519"/>
+        <c:scaling>
+          <c:orientation val="minMax"/>
+        </c:scaling>
+        <c:delete val="0"/>
+        <c:axPos val="l"/>
+        <c:majorGridlines>
+          <c:spPr>
+            <a:ln w="9525" cap="flat" cmpd="sng" algn="ctr">
+              <a:gradFill>
+                <a:gsLst>
+                  <a:gs pos="100000">
+                    <a:schemeClr val="dk1">
+                      <a:lumMod val="75000"/>
+                      <a:lumOff val="25000"/>
+                    </a:schemeClr>
+                  </a:gs>
+                  <a:gs pos="0">
+                    <a:schemeClr val="dk1">
+                      <a:lumMod val="65000"/>
+                      <a:lumOff val="35000"/>
+                    </a:schemeClr>
+                  </a:gs>
+                </a:gsLst>
+                <a:lin ang="5400000" scaled="0"/>
+              </a:gradFill>
+              <a:round/>
+            </a:ln>
+            <a:effectLst/>
+          </c:spPr>
+        </c:majorGridlines>
+        <c:title>
+          <c:tx>
+            <c:rich>
+              <a:bodyPr rot="0" spcFirstLastPara="1" vertOverflow="ellipsis" wrap="square" anchor="ctr" anchorCtr="1"/>
+              <a:lstStyle/>
+              <a:p>
+                <a:pPr>
+                  <a:defRPr sz="900" b="1" i="0" u="none" strike="noStrike" kern="1200" baseline="0">
+                    <a:solidFill>
+                      <a:schemeClr val="lt1">
+                        <a:lumMod val="75000"/>
+                      </a:schemeClr>
+                    </a:solidFill>
+                    <a:latin typeface="+mn-lt"/>
+                    <a:ea typeface="+mn-ea"/>
+                    <a:cs typeface="+mn-cs"/>
+                  </a:defRPr>
+                </a:pPr>
+                <a:r>
+                  <a:rPr lang="ja-JP"/>
+                  <a:t>拡散回数</a:t>
+                </a:r>
+              </a:p>
+            </c:rich>
+          </c:tx>
+          <c:layout>
+            <c:manualLayout>
+              <c:xMode val="edge"/>
+              <c:yMode val="edge"/>
+              <c:x val="2.7777777777777776E-2"/>
+              <c:y val="9.1612715077282011E-2"/>
+            </c:manualLayout>
+          </c:layout>
+          <c:overlay val="0"/>
+          <c:spPr>
+            <a:noFill/>
+            <a:ln>
+              <a:noFill/>
+            </a:ln>
+            <a:effectLst/>
+          </c:spPr>
+          <c:txPr>
+            <a:bodyPr rot="0" spcFirstLastPara="1" vertOverflow="ellipsis" wrap="square" anchor="ctr" anchorCtr="1"/>
+            <a:lstStyle/>
+            <a:p>
+              <a:pPr>
+                <a:defRPr sz="900" b="1" i="0" u="none" strike="noStrike" kern="1200" baseline="0">
+                  <a:solidFill>
+                    <a:schemeClr val="lt1">
+                      <a:lumMod val="75000"/>
+                    </a:schemeClr>
+                  </a:solidFill>
+                  <a:latin typeface="+mn-lt"/>
+                  <a:ea typeface="+mn-ea"/>
+                  <a:cs typeface="+mn-cs"/>
+                </a:defRPr>
+              </a:pPr>
+              <a:endParaRPr lang="ja-JP"/>
+            </a:p>
+          </c:txPr>
+        </c:title>
+        <c:numFmt formatCode="General" sourceLinked="1"/>
+        <c:majorTickMark val="none"/>
+        <c:minorTickMark val="none"/>
+        <c:tickLblPos val="nextTo"/>
+        <c:spPr>
+          <a:noFill/>
+          <a:ln>
+            <a:noFill/>
+          </a:ln>
+          <a:effectLst/>
+        </c:spPr>
+        <c:txPr>
+          <a:bodyPr rot="-60000000" spcFirstLastPara="1" vertOverflow="ellipsis" vert="horz" wrap="square" anchor="ctr" anchorCtr="1"/>
+          <a:lstStyle/>
+          <a:p>
+            <a:pPr>
+              <a:defRPr sz="900" b="0" i="0" u="none" strike="noStrike" kern="1200" baseline="0">
+                <a:solidFill>
+                  <a:schemeClr val="lt1">
+                    <a:lumMod val="75000"/>
+                  </a:schemeClr>
+                </a:solidFill>
+                <a:latin typeface="+mn-lt"/>
+                <a:ea typeface="+mn-ea"/>
+                <a:cs typeface="+mn-cs"/>
+              </a:defRPr>
+            </a:pPr>
+            <a:endParaRPr lang="ja-JP"/>
+          </a:p>
+        </c:txPr>
+        <c:crossAx val="1394365439"/>
+        <c:crosses val="autoZero"/>
+        <c:crossBetween val="between"/>
+      </c:valAx>
+      <c:spPr>
+        <a:noFill/>
+        <a:ln>
+          <a:noFill/>
+        </a:ln>
+        <a:effectLst/>
+      </c:spPr>
+    </c:plotArea>
+    <c:plotVisOnly val="1"/>
+    <c:dispBlanksAs val="gap"/>
+    <c:showDLblsOverMax val="0"/>
+  </c:chart>
+  <c:spPr>
+    <a:solidFill>
+      <a:schemeClr val="dk1">
+        <a:lumMod val="75000"/>
+        <a:lumOff val="25000"/>
+      </a:schemeClr>
+    </a:solidFill>
+    <a:ln w="9525" cap="flat" cmpd="sng" algn="ctr">
+      <a:solidFill>
+        <a:schemeClr val="dk1">
+          <a:lumMod val="15000"/>
+          <a:lumOff val="85000"/>
+        </a:schemeClr>
+      </a:solidFill>
+      <a:round/>
+    </a:ln>
+    <a:effectLst/>
+  </c:spPr>
+  <c:txPr>
+    <a:bodyPr/>
+    <a:lstStyle/>
+    <a:p>
+      <a:pPr>
+        <a:defRPr/>
+      </a:pPr>
+      <a:endParaRPr lang="ja-JP"/>
+    </a:p>
+  </c:txPr>
+  <c:externalData r:id="rId3">
+    <c:autoUpdate val="0"/>
+  </c:externalData>
+</c:chartSpace>
+</file>
+
+<file path=ppt/charts/colors1.xml><?xml version="1.0" encoding="utf-8"?>
+<cs:colorStyle xmlns:cs="http://schemas.microsoft.com/office/drawing/2012/chartStyle" xmlns:a="http://schemas.openxmlformats.org/drawingml/2006/main" meth="cycle" id="10">
+  <a:schemeClr val="accent1"/>
+  <a:schemeClr val="accent2"/>
+  <a:schemeClr val="accent3"/>
+  <a:schemeClr val="accent4"/>
+  <a:schemeClr val="accent5"/>
+  <a:schemeClr val="accent6"/>
+  <cs:variation/>
+  <cs:variation>
+    <a:lumMod val="60000"/>
+  </cs:variation>
+  <cs:variation>
+    <a:lumMod val="80000"/>
+    <a:lumOff val="20000"/>
+  </cs:variation>
+  <cs:variation>
+    <a:lumMod val="80000"/>
+  </cs:variation>
+  <cs:variation>
+    <a:lumMod val="60000"/>
+    <a:lumOff val="40000"/>
+  </cs:variation>
+  <cs:variation>
+    <a:lumMod val="50000"/>
+  </cs:variation>
+  <cs:variation>
+    <a:lumMod val="70000"/>
+    <a:lumOff val="30000"/>
+  </cs:variation>
+  <cs:variation>
+    <a:lumMod val="70000"/>
+  </cs:variation>
+  <cs:variation>
+    <a:lumMod val="50000"/>
+    <a:lumOff val="50000"/>
+  </cs:variation>
+</cs:colorStyle>
+</file>
+
+<file path=ppt/charts/style1.xml><?xml version="1.0" encoding="utf-8"?>
+<cs:chartStyle xmlns:cs="http://schemas.microsoft.com/office/drawing/2012/chartStyle" xmlns:a="http://schemas.openxmlformats.org/drawingml/2006/main" id="213">
+  <cs:axisTitle>
+    <cs:lnRef idx="0"/>
+    <cs:fillRef idx="0"/>
+    <cs:effectRef idx="0"/>
+    <cs:fontRef idx="minor">
+      <a:schemeClr val="lt1">
+        <a:lumMod val="75000"/>
+      </a:schemeClr>
+    </cs:fontRef>
+    <cs:defRPr sz="900" b="1" kern="1200"/>
+  </cs:axisTitle>
+  <cs:categoryAxis>
+    <cs:lnRef idx="0"/>
+    <cs:fillRef idx="0"/>
+    <cs:effectRef idx="0"/>
+    <cs:fontRef idx="minor">
+      <a:schemeClr val="lt1">
+        <a:lumMod val="75000"/>
+      </a:schemeClr>
+    </cs:fontRef>
+    <cs:defRPr sz="900" kern="1200"/>
+  </cs:categoryAxis>
+  <cs:chartArea>
+    <cs:lnRef idx="0"/>
+    <cs:fillRef idx="0"/>
+    <cs:effectRef idx="0"/>
+    <cs:fontRef idx="minor">
+      <a:schemeClr val="dk1"/>
+    </cs:fontRef>
+    <cs:spPr>
+      <a:solidFill>
+        <a:schemeClr val="dk1">
+          <a:lumMod val="75000"/>
+          <a:lumOff val="25000"/>
+        </a:schemeClr>
+      </a:solidFill>
+      <a:ln w="9525" cap="flat" cmpd="sng" algn="ctr">
+        <a:solidFill>
+          <a:schemeClr val="dk1">
+            <a:lumMod val="15000"/>
+            <a:lumOff val="85000"/>
+          </a:schemeClr>
+        </a:solidFill>
+        <a:round/>
+      </a:ln>
+    </cs:spPr>
+    <cs:defRPr sz="900" kern="1200"/>
+  </cs:chartArea>
+  <cs:dataLabel>
+    <cs:lnRef idx="0"/>
+    <cs:fillRef idx="0"/>
+    <cs:effectRef idx="0"/>
+    <cs:fontRef idx="minor">
+      <a:schemeClr val="lt1">
+        <a:lumMod val="75000"/>
+      </a:schemeClr>
+    </cs:fontRef>
+    <cs:defRPr sz="900" kern="1200"/>
+  </cs:dataLabel>
+  <cs:dataLabelCallout>
+    <cs:lnRef idx="0"/>
+    <cs:fillRef idx="0"/>
+    <cs:effectRef idx="0"/>
+    <cs:fontRef idx="minor">
+      <a:schemeClr val="lt1">
+        <a:lumMod val="15000"/>
+        <a:lumOff val="85000"/>
+      </a:schemeClr>
+    </cs:fontRef>
+    <cs:spPr>
+      <a:solidFill>
+        <a:schemeClr val="dk1">
+          <a:lumMod val="65000"/>
+          <a:lumOff val="35000"/>
+        </a:schemeClr>
+      </a:solidFill>
+    </cs:spPr>
+    <cs:defRPr sz="900" kern="1200"/>
+    <cs:bodyPr rot="0" spcFirstLastPara="1" vertOverflow="clip" horzOverflow="clip" vert="horz" wrap="square" lIns="36576" tIns="18288" rIns="36576" bIns="18288" anchor="ctr" anchorCtr="1">
+      <a:spAutoFit/>
+    </cs:bodyPr>
+  </cs:dataLabelCallout>
+  <cs:dataPoint>
+    <cs:lnRef idx="0">
+      <cs:styleClr val="auto"/>
+    </cs:lnRef>
+    <cs:fillRef idx="0"/>
+    <cs:effectRef idx="0">
+      <cs:styleClr val="auto"/>
+    </cs:effectRef>
+    <cs:fontRef idx="minor">
+      <a:schemeClr val="dk1"/>
+    </cs:fontRef>
+    <cs:spPr>
+      <a:ln w="9525" cap="flat" cmpd="sng" algn="ctr">
+        <a:solidFill>
+          <a:schemeClr val="phClr"/>
+        </a:solidFill>
+        <a:miter lim="800000"/>
+      </a:ln>
+      <a:effectLst>
+        <a:glow rad="63500">
+          <a:schemeClr val="phClr">
+            <a:satMod val="175000"/>
+            <a:alpha val="25000"/>
+          </a:schemeClr>
+        </a:glow>
+      </a:effectLst>
+    </cs:spPr>
+  </cs:dataPoint>
+  <cs:dataPoint3D>
+    <cs:lnRef idx="0">
+      <cs:styleClr val="auto"/>
+    </cs:lnRef>
+    <cs:fillRef idx="0">
+      <cs:styleClr val="auto"/>
+    </cs:fillRef>
+    <cs:effectRef idx="0">
+      <cs:styleClr val="auto"/>
+    </cs:effectRef>
+    <cs:fontRef idx="minor">
+      <a:schemeClr val="dk1"/>
+    </cs:fontRef>
+    <cs:spPr>
+      <a:ln w="9525" cap="flat" cmpd="sng" algn="ctr">
+        <a:solidFill>
+          <a:schemeClr val="phClr"/>
+        </a:solidFill>
+        <a:miter lim="800000"/>
+      </a:ln>
+      <a:effectLst>
+        <a:glow rad="63500">
+          <a:schemeClr val="phClr">
+            <a:satMod val="175000"/>
+            <a:alpha val="25000"/>
+          </a:schemeClr>
+        </a:glow>
+      </a:effectLst>
+    </cs:spPr>
+  </cs:dataPoint3D>
+  <cs:dataPointLine>
+    <cs:lnRef idx="0">
+      <cs:styleClr val="auto"/>
+    </cs:lnRef>
+    <cs:fillRef idx="0">
+      <cs:styleClr val="auto"/>
+    </cs:fillRef>
+    <cs:effectRef idx="0">
+      <cs:styleClr val="auto"/>
+    </cs:effectRef>
+    <cs:fontRef idx="minor">
+      <a:schemeClr val="dk1"/>
+    </cs:fontRef>
+    <cs:spPr>
+      <a:ln w="22225" cap="rnd">
+        <a:solidFill>
+          <a:schemeClr val="phClr"/>
+        </a:solidFill>
+      </a:ln>
+      <a:effectLst>
+        <a:glow rad="139700">
+          <a:schemeClr val="phClr">
+            <a:satMod val="175000"/>
+            <a:alpha val="14000"/>
+          </a:schemeClr>
+        </a:glow>
+      </a:effectLst>
+    </cs:spPr>
+  </cs:dataPointLine>
+  <cs:dataPointMarker>
+    <cs:lnRef idx="0">
+      <cs:styleClr val="auto"/>
+    </cs:lnRef>
+    <cs:fillRef idx="0">
+      <cs:styleClr val="auto"/>
+    </cs:fillRef>
+    <cs:effectRef idx="0">
+      <cs:styleClr val="auto"/>
+    </cs:effectRef>
+    <cs:fontRef idx="minor">
+      <a:schemeClr val="dk1"/>
+    </cs:fontRef>
+    <cs:spPr>
+      <a:solidFill>
+        <a:schemeClr val="phClr">
+          <a:lumMod val="60000"/>
+          <a:lumOff val="40000"/>
+        </a:schemeClr>
+      </a:solidFill>
+      <a:effectLst>
+        <a:glow rad="63500">
+          <a:schemeClr val="phClr">
+            <a:satMod val="175000"/>
+            <a:alpha val="25000"/>
+          </a:schemeClr>
+        </a:glow>
+      </a:effectLst>
+    </cs:spPr>
+  </cs:dataPointMarker>
+  <cs:dataPointMarkerLayout symbol="circle" size="4"/>
+  <cs:dataPointWireframe>
+    <cs:lnRef idx="0">
+      <cs:styleClr val="auto"/>
+    </cs:lnRef>
+    <cs:fillRef idx="0"/>
+    <cs:effectRef idx="0"/>
+    <cs:fontRef idx="minor">
+      <a:schemeClr val="dk1"/>
+    </cs:fontRef>
+    <cs:spPr>
+      <a:ln w="9525" cap="rnd">
+        <a:solidFill>
+          <a:schemeClr val="phClr"/>
+        </a:solidFill>
+        <a:round/>
+      </a:ln>
+    </cs:spPr>
+  </cs:dataPointWireframe>
+  <cs:dataTable>
+    <cs:lnRef idx="0"/>
+    <cs:fillRef idx="0"/>
+    <cs:effectRef idx="0"/>
+    <cs:fontRef idx="minor">
+      <a:schemeClr val="lt1">
+        <a:lumMod val="75000"/>
+      </a:schemeClr>
+    </cs:fontRef>
+    <cs:spPr>
+      <a:ln w="9525">
+        <a:solidFill>
+          <a:schemeClr val="dk1">
+            <a:lumMod val="50000"/>
+            <a:lumOff val="50000"/>
+          </a:schemeClr>
+        </a:solidFill>
+      </a:ln>
+    </cs:spPr>
+    <cs:defRPr sz="900" kern="1200"/>
+  </cs:dataTable>
+  <cs:downBar>
+    <cs:lnRef idx="0"/>
+    <cs:fillRef idx="0"/>
+    <cs:effectRef idx="0"/>
+    <cs:fontRef idx="minor">
+      <a:schemeClr val="lt1"/>
+    </cs:fontRef>
+    <cs:spPr>
+      <a:solidFill>
+        <a:schemeClr val="dk1">
+          <a:lumMod val="50000"/>
+          <a:lumOff val="50000"/>
+        </a:schemeClr>
+      </a:solidFill>
+      <a:ln w="9525">
+        <a:solidFill>
+          <a:schemeClr val="dk1">
+            <a:lumMod val="75000"/>
+          </a:schemeClr>
+        </a:solidFill>
+        <a:round/>
+      </a:ln>
+    </cs:spPr>
+  </cs:downBar>
+  <cs:dropLine>
+    <cs:lnRef idx="0"/>
+    <cs:fillRef idx="0"/>
+    <cs:effectRef idx="0"/>
+    <cs:fontRef idx="minor">
+      <a:schemeClr val="dk1"/>
+    </cs:fontRef>
+    <cs:spPr>
+      <a:ln w="9525">
+        <a:solidFill>
+          <a:schemeClr val="lt1">
+            <a:lumMod val="50000"/>
+          </a:schemeClr>
+        </a:solidFill>
+        <a:round/>
+      </a:ln>
+    </cs:spPr>
+  </cs:dropLine>
+  <cs:errorBar>
+    <cs:lnRef idx="0"/>
+    <cs:fillRef idx="0"/>
+    <cs:effectRef idx="0"/>
+    <cs:fontRef idx="minor">
+      <a:schemeClr val="dk1"/>
+    </cs:fontRef>
+    <cs:spPr>
+      <a:ln w="9525">
+        <a:solidFill>
+          <a:schemeClr val="lt1">
+            <a:lumMod val="50000"/>
+          </a:schemeClr>
+        </a:solidFill>
+        <a:round/>
+      </a:ln>
+    </cs:spPr>
+  </cs:errorBar>
+  <cs:floor>
+    <cs:lnRef idx="0"/>
+    <cs:fillRef idx="0"/>
+    <cs:effectRef idx="0"/>
+    <cs:fontRef idx="minor">
+      <a:schemeClr val="dk1"/>
+    </cs:fontRef>
+  </cs:floor>
+  <cs:gridlineMajor>
+    <cs:lnRef idx="0"/>
+    <cs:fillRef idx="0"/>
+    <cs:effectRef idx="0"/>
+    <cs:fontRef idx="minor">
+      <a:schemeClr val="dk1"/>
+    </cs:fontRef>
+    <cs:spPr>
+      <a:ln w="9525" cap="flat" cmpd="sng" algn="ctr">
+        <a:gradFill>
+          <a:gsLst>
+            <a:gs pos="100000">
+              <a:schemeClr val="dk1">
+                <a:lumMod val="75000"/>
+                <a:lumOff val="25000"/>
+              </a:schemeClr>
+            </a:gs>
+            <a:gs pos="0">
+              <a:schemeClr val="dk1">
+                <a:lumMod val="65000"/>
+                <a:lumOff val="35000"/>
+              </a:schemeClr>
+            </a:gs>
+          </a:gsLst>
+          <a:lin ang="5400000" scaled="0"/>
+        </a:gradFill>
+        <a:round/>
+      </a:ln>
+    </cs:spPr>
+  </cs:gridlineMajor>
+  <cs:gridlineMinor>
+    <cs:lnRef idx="0"/>
+    <cs:fillRef idx="0"/>
+    <cs:effectRef idx="0"/>
+    <cs:fontRef idx="minor">
+      <a:schemeClr val="dk1"/>
+    </cs:fontRef>
+    <cs:spPr>
+      <a:ln w="9525" cap="flat" cmpd="sng" algn="ctr">
+        <a:gradFill>
+          <a:gsLst>
+            <a:gs pos="100000">
+              <a:schemeClr val="dk1">
+                <a:lumMod val="75000"/>
+                <a:lumOff val="25000"/>
+                <a:alpha val="25000"/>
+              </a:schemeClr>
+            </a:gs>
+            <a:gs pos="0">
+              <a:schemeClr val="dk1">
+                <a:lumMod val="65000"/>
+                <a:lumOff val="35000"/>
+                <a:alpha val="25000"/>
+              </a:schemeClr>
+            </a:gs>
+          </a:gsLst>
+          <a:lin ang="5400000" scaled="0"/>
+        </a:gradFill>
+        <a:round/>
+      </a:ln>
+    </cs:spPr>
+  </cs:gridlineMinor>
+  <cs:hiLoLine>
+    <cs:lnRef idx="0"/>
+    <cs:fillRef idx="0"/>
+    <cs:effectRef idx="0"/>
+    <cs:fontRef idx="minor">
+      <a:schemeClr val="dk1"/>
+    </cs:fontRef>
+    <cs:spPr>
+      <a:ln w="9525">
+        <a:solidFill>
+          <a:schemeClr val="lt1">
+            <a:lumMod val="50000"/>
+          </a:schemeClr>
+        </a:solidFill>
+        <a:round/>
+      </a:ln>
+    </cs:spPr>
+  </cs:hiLoLine>
+  <cs:leaderLine>
+    <cs:lnRef idx="0"/>
+    <cs:fillRef idx="0"/>
+    <cs:effectRef idx="0"/>
+    <cs:fontRef idx="minor">
+      <a:schemeClr val="dk1"/>
+    </cs:fontRef>
+    <cs:spPr>
+      <a:ln w="9525">
+        <a:solidFill>
+          <a:schemeClr val="lt1">
+            <a:lumMod val="50000"/>
+          </a:schemeClr>
+        </a:solidFill>
+        <a:round/>
+      </a:ln>
+    </cs:spPr>
+  </cs:leaderLine>
+  <cs:legend>
+    <cs:lnRef idx="0"/>
+    <cs:fillRef idx="0"/>
+    <cs:effectRef idx="0"/>
+    <cs:fontRef idx="minor">
+      <a:schemeClr val="lt1">
+        <a:lumMod val="75000"/>
+      </a:schemeClr>
+    </cs:fontRef>
+    <cs:defRPr sz="900" kern="1200"/>
+  </cs:legend>
+  <cs:plotArea>
+    <cs:lnRef idx="0"/>
+    <cs:fillRef idx="0"/>
+    <cs:effectRef idx="0"/>
+    <cs:fontRef idx="minor">
+      <a:schemeClr val="dk1"/>
+    </cs:fontRef>
+  </cs:plotArea>
+  <cs:plotArea3D>
+    <cs:lnRef idx="0"/>
+    <cs:fillRef idx="0"/>
+    <cs:effectRef idx="0"/>
+    <cs:fontRef idx="minor">
+      <a:schemeClr val="dk1"/>
+    </cs:fontRef>
+  </cs:plotArea3D>
+  <cs:seriesAxis>
+    <cs:lnRef idx="0"/>
+    <cs:fillRef idx="0"/>
+    <cs:effectRef idx="0"/>
+    <cs:fontRef idx="minor">
+      <a:schemeClr val="lt1">
+        <a:lumMod val="75000"/>
+      </a:schemeClr>
+    </cs:fontRef>
+    <cs:defRPr sz="900" kern="1200"/>
+  </cs:seriesAxis>
+  <cs:seriesLine>
+    <cs:lnRef idx="0"/>
+    <cs:fillRef idx="0"/>
+    <cs:effectRef idx="0"/>
+    <cs:fontRef idx="minor">
+      <a:schemeClr val="dk1"/>
+    </cs:fontRef>
+    <cs:spPr>
+      <a:ln w="9525">
+        <a:solidFill>
+          <a:schemeClr val="lt1">
+            <a:lumMod val="50000"/>
+          </a:schemeClr>
+        </a:solidFill>
+        <a:round/>
+      </a:ln>
+    </cs:spPr>
+  </cs:seriesLine>
+  <cs:title>
+    <cs:lnRef idx="0"/>
+    <cs:fillRef idx="0"/>
+    <cs:effectRef idx="0"/>
+    <cs:fontRef idx="minor">
+      <a:schemeClr val="lt1">
+        <a:lumMod val="85000"/>
+      </a:schemeClr>
+    </cs:fontRef>
+    <cs:defRPr sz="1400" b="1" kern="1200" cap="none" baseline="0"/>
+  </cs:title>
+  <cs:trendline>
+    <cs:lnRef idx="0">
+      <cs:styleClr val="auto"/>
+    </cs:lnRef>
+    <cs:fillRef idx="0"/>
+    <cs:effectRef idx="0"/>
+    <cs:fontRef idx="minor">
+      <a:schemeClr val="lt1"/>
+    </cs:fontRef>
+    <cs:spPr>
+      <a:ln w="25400" cap="rnd">
+        <a:solidFill>
+          <a:schemeClr val="phClr">
+            <a:alpha val="50000"/>
+          </a:schemeClr>
+        </a:solidFill>
+      </a:ln>
+    </cs:spPr>
+  </cs:trendline>
+  <cs:trendlineLabel>
+    <cs:lnRef idx="0"/>
+    <cs:fillRef idx="0"/>
+    <cs:effectRef idx="0"/>
+    <cs:fontRef idx="minor">
+      <a:schemeClr val="lt1">
+        <a:lumMod val="75000"/>
+      </a:schemeClr>
+    </cs:fontRef>
+    <cs:defRPr sz="900" kern="1200"/>
+  </cs:trendlineLabel>
+  <cs:upBar>
+    <cs:lnRef idx="0"/>
+    <cs:fillRef idx="0"/>
+    <cs:effectRef idx="0"/>
+    <cs:fontRef idx="minor">
+      <a:schemeClr val="dk1"/>
+    </cs:fontRef>
+    <cs:spPr>
+      <a:solidFill>
+        <a:schemeClr val="lt1">
+          <a:lumMod val="85000"/>
+        </a:schemeClr>
+      </a:solidFill>
+      <a:ln w="9525">
+        <a:solidFill>
+          <a:schemeClr val="dk1">
+            <a:lumMod val="50000"/>
+          </a:schemeClr>
+        </a:solidFill>
+        <a:round/>
+      </a:ln>
+    </cs:spPr>
+  </cs:upBar>
+  <cs:valueAxis>
+    <cs:lnRef idx="0"/>
+    <cs:fillRef idx="0"/>
+    <cs:effectRef idx="0"/>
+    <cs:fontRef idx="minor">
+      <a:schemeClr val="lt1">
+        <a:lumMod val="75000"/>
+      </a:schemeClr>
+    </cs:fontRef>
+    <cs:defRPr sz="900" kern="1200"/>
+  </cs:valueAxis>
+  <cs:wall>
+    <cs:lnRef idx="0"/>
+    <cs:fillRef idx="0"/>
+    <cs:effectRef idx="0"/>
+    <cs:fontRef idx="minor">
+      <a:schemeClr val="dk1"/>
+    </cs:fontRef>
+  </cs:wall>
+</cs:chartStyle>
 </file>
 
 <file path=ppt/notesMasters/notesMaster1.xml><?xml version="1.0" encoding="utf-8"?>
@@ -154,15 +1252,15 @@
         </p:nvSpPr>
         <p:spPr>
           <a:xfrm>
-            <a:off x="0" y="0"/>
-            <a:ext cx="2971800" cy="458788"/>
+            <a:off x="0" y="2"/>
+            <a:ext cx="4301543" cy="341064"/>
           </a:xfrm>
           <a:prstGeom prst="rect">
             <a:avLst/>
           </a:prstGeom>
         </p:spPr>
         <p:txBody>
-          <a:bodyPr vert="horz" lIns="91440" tIns="45720" rIns="91440" bIns="45720" rtlCol="0"/>
+          <a:bodyPr vert="horz" lIns="91001" tIns="45501" rIns="91001" bIns="45501" rtlCol="0"/>
           <a:lstStyle>
             <a:lvl1pPr algn="l">
               <a:defRPr sz="1200"/>
@@ -185,15 +1283,15 @@
         </p:nvSpPr>
         <p:spPr>
           <a:xfrm>
-            <a:off x="3884613" y="0"/>
-            <a:ext cx="2971800" cy="458788"/>
+            <a:off x="5622797" y="2"/>
+            <a:ext cx="4301543" cy="341064"/>
           </a:xfrm>
           <a:prstGeom prst="rect">
             <a:avLst/>
           </a:prstGeom>
         </p:spPr>
         <p:txBody>
-          <a:bodyPr vert="horz" lIns="91440" tIns="45720" rIns="91440" bIns="45720" rtlCol="0"/>
+          <a:bodyPr vert="horz" lIns="91001" tIns="45501" rIns="91001" bIns="45501" rtlCol="0"/>
           <a:lstStyle>
             <a:lvl1pPr algn="r">
               <a:defRPr sz="1200"/>
@@ -202,7 +1300,7 @@
           <a:p>
             <a:fld id="{2C9EAC6B-9D88-410B-823D-7EF7261E5F95}" type="datetimeFigureOut">
               <a:rPr kumimoji="1" lang="ja-JP" altLang="en-US" smtClean="0"/>
-              <a:t>2023/6/12</a:t>
+              <a:t>2023/6/13</a:t>
             </a:fld>
             <a:endParaRPr kumimoji="1" lang="ja-JP" altLang="en-US"/>
           </a:p>
@@ -220,8 +1318,8 @@
         </p:nvSpPr>
         <p:spPr>
           <a:xfrm>
-            <a:off x="685800" y="1143000"/>
-            <a:ext cx="5486400" cy="3086100"/>
+            <a:off x="2924175" y="849313"/>
+            <a:ext cx="4078288" cy="2293937"/>
           </a:xfrm>
           <a:prstGeom prst="rect">
             <a:avLst/>
@@ -234,7 +1332,7 @@
           </a:ln>
         </p:spPr>
         <p:txBody>
-          <a:bodyPr vert="horz" lIns="91440" tIns="45720" rIns="91440" bIns="45720" rtlCol="0" anchor="ctr"/>
+          <a:bodyPr vert="horz" lIns="91001" tIns="45501" rIns="91001" bIns="45501" rtlCol="0" anchor="ctr"/>
           <a:lstStyle/>
           <a:p>
             <a:endParaRPr lang="ja-JP" altLang="en-US"/>
@@ -253,15 +1351,15 @@
         </p:nvSpPr>
         <p:spPr>
           <a:xfrm>
-            <a:off x="685800" y="4400550"/>
-            <a:ext cx="5486400" cy="3600450"/>
+            <a:off x="992664" y="3271381"/>
+            <a:ext cx="7941310" cy="2676585"/>
           </a:xfrm>
           <a:prstGeom prst="rect">
             <a:avLst/>
           </a:prstGeom>
         </p:spPr>
         <p:txBody>
-          <a:bodyPr vert="horz" lIns="91440" tIns="45720" rIns="91440" bIns="45720" rtlCol="0"/>
+          <a:bodyPr vert="horz" lIns="91001" tIns="45501" rIns="91001" bIns="45501" rtlCol="0"/>
           <a:lstStyle/>
           <a:p>
             <a:pPr lvl="0"/>
@@ -344,15 +1442,15 @@
         </p:nvSpPr>
         <p:spPr>
           <a:xfrm>
-            <a:off x="0" y="8685213"/>
-            <a:ext cx="2971800" cy="458787"/>
+            <a:off x="0" y="6456612"/>
+            <a:ext cx="4301543" cy="341063"/>
           </a:xfrm>
           <a:prstGeom prst="rect">
             <a:avLst/>
           </a:prstGeom>
         </p:spPr>
         <p:txBody>
-          <a:bodyPr vert="horz" lIns="91440" tIns="45720" rIns="91440" bIns="45720" rtlCol="0" anchor="b"/>
+          <a:bodyPr vert="horz" lIns="91001" tIns="45501" rIns="91001" bIns="45501" rtlCol="0" anchor="b"/>
           <a:lstStyle>
             <a:lvl1pPr algn="l">
               <a:defRPr sz="1200"/>
@@ -375,15 +1473,15 @@
         </p:nvSpPr>
         <p:spPr>
           <a:xfrm>
-            <a:off x="3884613" y="8685213"/>
-            <a:ext cx="2971800" cy="458787"/>
+            <a:off x="5622797" y="6456612"/>
+            <a:ext cx="4301543" cy="341063"/>
           </a:xfrm>
           <a:prstGeom prst="rect">
             <a:avLst/>
           </a:prstGeom>
         </p:spPr>
         <p:txBody>
-          <a:bodyPr vert="horz" lIns="91440" tIns="45720" rIns="91440" bIns="45720" rtlCol="0" anchor="b"/>
+          <a:bodyPr vert="horz" lIns="91001" tIns="45501" rIns="91001" bIns="45501" rtlCol="0" anchor="b"/>
           <a:lstStyle>
             <a:lvl1pPr algn="r">
               <a:defRPr sz="1200"/>
@@ -499,6 +1597,117 @@
     </a:lvl9pPr>
   </p:notesStyle>
 </p:notesMaster>
+</file>
+
+<file path=ppt/notesSlides/notesSlide1.xml><?xml version="1.0" encoding="utf-8"?>
+<p:notes xmlns:a="http://schemas.openxmlformats.org/drawingml/2006/main" xmlns:r="http://schemas.openxmlformats.org/officeDocument/2006/relationships" xmlns:p="http://schemas.openxmlformats.org/presentationml/2006/main">
+  <p:cSld>
+    <p:spTree>
+      <p:nvGrpSpPr>
+        <p:cNvPr id="1" name=""/>
+        <p:cNvGrpSpPr/>
+        <p:nvPr/>
+      </p:nvGrpSpPr>
+      <p:grpSpPr>
+        <a:xfrm>
+          <a:off x="0" y="0"/>
+          <a:ext cx="0" cy="0"/>
+          <a:chOff x="0" y="0"/>
+          <a:chExt cx="0" cy="0"/>
+        </a:xfrm>
+      </p:grpSpPr>
+      <p:sp>
+        <p:nvSpPr>
+          <p:cNvPr id="2" name="スライド イメージ プレースホルダー 1"/>
+          <p:cNvSpPr>
+            <a:spLocks noGrp="1" noRot="1" noChangeAspect="1"/>
+          </p:cNvSpPr>
+          <p:nvPr>
+            <p:ph type="sldImg"/>
+          </p:nvPr>
+        </p:nvSpPr>
+        <p:spPr/>
+      </p:sp>
+      <p:sp>
+        <p:nvSpPr>
+          <p:cNvPr id="3" name="ノート プレースホルダー 2"/>
+          <p:cNvSpPr>
+            <a:spLocks noGrp="1"/>
+          </p:cNvSpPr>
+          <p:nvPr>
+            <p:ph type="body" idx="1"/>
+          </p:nvPr>
+        </p:nvSpPr>
+        <p:spPr/>
+        <p:txBody>
+          <a:bodyPr/>
+          <a:lstStyle/>
+          <a:p>
+            <a:r>
+              <a:rPr kumimoji="1" lang="ja-JP" altLang="en-US" dirty="0"/>
+              <a:t>転移学習における、既存の研究は確かにありますが、自動運転における、知識選択型転移強化学習の研究は</a:t>
+            </a:r>
+            <a:r>
+              <a:rPr kumimoji="1" lang="en-US" altLang="ja-JP" dirty="0"/>
+              <a:t>SAP-net[</a:t>
+            </a:r>
+            <a:r>
+              <a:rPr kumimoji="1" lang="ja-JP" altLang="en-US" dirty="0"/>
+              <a:t>河野ら</a:t>
+            </a:r>
+            <a:r>
+              <a:rPr kumimoji="1" lang="en-US" altLang="ja-JP" dirty="0"/>
+              <a:t>]</a:t>
+            </a:r>
+            <a:r>
+              <a:rPr kumimoji="1" lang="ja-JP" altLang="en-US" dirty="0"/>
+              <a:t>のみとなっております。その研究では動的障害物を用いて知識選択型強化学習で回避する研究です。私たちの研究では、オリジナルの</a:t>
+            </a:r>
+            <a:r>
+              <a:rPr kumimoji="1" lang="en-US" altLang="ja-JP" dirty="0"/>
+              <a:t>SAP-net</a:t>
+            </a:r>
+            <a:r>
+              <a:rPr kumimoji="1" lang="ja-JP" altLang="en-US" dirty="0"/>
+              <a:t>を作成し、動的障害物を回避するため、新規性はそれらの点で担保されると私は考えます。</a:t>
+            </a:r>
+          </a:p>
+        </p:txBody>
+      </p:sp>
+      <p:sp>
+        <p:nvSpPr>
+          <p:cNvPr id="4" name="スライド番号プレースホルダー 3"/>
+          <p:cNvSpPr>
+            <a:spLocks noGrp="1"/>
+          </p:cNvSpPr>
+          <p:nvPr>
+            <p:ph type="sldNum" sz="quarter" idx="5"/>
+          </p:nvPr>
+        </p:nvSpPr>
+        <p:spPr/>
+        <p:txBody>
+          <a:bodyPr/>
+          <a:lstStyle/>
+          <a:p>
+            <a:fld id="{558DC2C3-751A-4700-B0B2-99581FD228CC}" type="slidenum">
+              <a:rPr kumimoji="1" lang="ja-JP" altLang="en-US" smtClean="0"/>
+              <a:t>3</a:t>
+            </a:fld>
+            <a:endParaRPr kumimoji="1" lang="ja-JP" altLang="en-US"/>
+          </a:p>
+        </p:txBody>
+      </p:sp>
+    </p:spTree>
+    <p:extLst>
+      <p:ext uri="{BB962C8B-B14F-4D97-AF65-F5344CB8AC3E}">
+        <p14:creationId xmlns:p14="http://schemas.microsoft.com/office/powerpoint/2010/main" val="4031595641"/>
+      </p:ext>
+    </p:extLst>
+  </p:cSld>
+  <p:clrMapOvr>
+    <a:masterClrMapping/>
+  </p:clrMapOvr>
+</p:notes>
 </file>
 
 <file path=ppt/slideLayouts/slideLayout1.xml><?xml version="1.0" encoding="utf-8"?>
@@ -4068,7 +5277,12 @@
             <p:ph type="ctrTitle"/>
           </p:nvPr>
         </p:nvSpPr>
-        <p:spPr/>
+        <p:spPr>
+          <a:xfrm>
+            <a:off x="1068658" y="1129348"/>
+            <a:ext cx="10054683" cy="2387600"/>
+          </a:xfrm>
+        </p:spPr>
         <p:txBody>
           <a:bodyPr>
             <a:normAutofit/>
@@ -4077,15 +5291,14 @@
           <a:p>
             <a:r>
               <a:rPr kumimoji="1" lang="ja-JP" altLang="en-US" sz="4800" dirty="0"/>
-              <a:t>知識選択型強化学習を実現する</a:t>
-            </a:r>
-            <a:r>
+              <a:t>知識選択型転移強化学習を用いた</a:t>
+            </a:r>
+            <a:br>
               <a:rPr kumimoji="1" lang="en-US" altLang="ja-JP" sz="4800" dirty="0"/>
-              <a:t>SAP-Net</a:t>
-            </a:r>
+            </a:br>
             <a:r>
               <a:rPr kumimoji="1" lang="ja-JP" altLang="en-US" sz="4800" dirty="0"/>
-              <a:t>の拡散の解析</a:t>
+              <a:t>移動ロボットによる動的障害物回避</a:t>
             </a:r>
           </a:p>
         </p:txBody>
@@ -4297,7 +5510,7 @@
           <a:p>
             <a:r>
               <a:rPr kumimoji="1" lang="ja-JP" altLang="en-US" sz="3200" dirty="0"/>
-              <a:t>まとめ</a:t>
+              <a:t>実験結果</a:t>
             </a:r>
           </a:p>
         </p:txBody>
@@ -4330,76 +5543,28 @@
           </a:bodyPr>
           <a:lstStyle/>
           <a:p>
+            <a:r>
+              <a:rPr lang="ja-JP" altLang="en-US" sz="2000" dirty="0"/>
+              <a:t>二次元配列上の値を活性値とし、正規化</a:t>
+            </a:r>
             <a:endParaRPr lang="en-US" altLang="ja-JP" sz="2000" dirty="0"/>
           </a:p>
           <a:p>
             <a:r>
-              <a:rPr lang="en-US" altLang="ja-JP" sz="2000" dirty="0"/>
-              <a:t>SAP-net</a:t>
-            </a:r>
-            <a:r>
               <a:rPr lang="ja-JP" altLang="en-US" sz="2000" dirty="0"/>
-              <a:t>実装の前段階として計算機クラスタの構築をした</a:t>
+              <a:t>入力文字列に対して活性値を現状値に加算し活性化（順次）</a:t>
             </a:r>
             <a:endParaRPr lang="en-US" altLang="ja-JP" sz="2000" dirty="0"/>
           </a:p>
           <a:p>
-            <a:r>
-              <a:rPr kumimoji="1" lang="en-US" altLang="ja-JP" sz="2000" dirty="0"/>
-              <a:t>MPI</a:t>
-            </a:r>
-            <a:r>
-              <a:rPr kumimoji="1" lang="ja-JP" altLang="en-US" sz="2000" dirty="0"/>
-              <a:t>を用いて命令を同時に実行することはできた</a:t>
-            </a:r>
-            <a:endParaRPr kumimoji="1" lang="en-US" altLang="ja-JP" sz="2000" dirty="0"/>
-          </a:p>
-          <a:p>
-            <a:endParaRPr kumimoji="1" lang="en-US" altLang="ja-JP" sz="2000" dirty="0"/>
-          </a:p>
-          <a:p>
             <a:endParaRPr lang="en-US" altLang="ja-JP" sz="2000" dirty="0"/>
           </a:p>
           <a:p>
             <a:r>
-              <a:rPr kumimoji="1" lang="ja-JP" altLang="en-US" sz="2000" dirty="0"/>
-              <a:t>今後の課題</a:t>
-            </a:r>
-            <a:endParaRPr kumimoji="1" lang="en-US" altLang="ja-JP" sz="2000" dirty="0"/>
-          </a:p>
-          <a:p>
-            <a:pPr marL="0" indent="0">
-              <a:buNone/>
-            </a:pPr>
-            <a:r>
               <a:rPr lang="ja-JP" altLang="en-US" sz="2000" dirty="0"/>
-              <a:t>　・並列計算は未実験</a:t>
+              <a:t>活性値１を超えた時その知識を活性値とする</a:t>
             </a:r>
             <a:endParaRPr lang="en-US" altLang="ja-JP" sz="2000" dirty="0"/>
-          </a:p>
-          <a:p>
-            <a:pPr marL="0" indent="0">
-              <a:buNone/>
-            </a:pPr>
-            <a:r>
-              <a:rPr kumimoji="1" lang="ja-JP" altLang="en-US" sz="2000" dirty="0"/>
-              <a:t>　・</a:t>
-            </a:r>
-            <a:r>
-              <a:rPr kumimoji="1" lang="en-US" altLang="ja-JP" sz="2000" dirty="0"/>
-              <a:t>SAP-net</a:t>
-            </a:r>
-            <a:r>
-              <a:rPr kumimoji="1" lang="ja-JP" altLang="en-US" sz="2000" dirty="0"/>
-              <a:t>の具体的な解析手法の調査</a:t>
-            </a:r>
-            <a:endParaRPr kumimoji="1" lang="en-US" altLang="ja-JP" sz="2000" dirty="0"/>
-          </a:p>
-          <a:p>
-            <a:endParaRPr lang="en-US" altLang="ja-JP" sz="2000" dirty="0"/>
-          </a:p>
-          <a:p>
-            <a:endParaRPr kumimoji="1" lang="ja-JP" altLang="en-US" sz="2000" dirty="0"/>
           </a:p>
         </p:txBody>
       </p:sp>
@@ -4495,10 +5660,154 @@
           </a:p>
         </p:txBody>
       </p:sp>
+      <p:pic>
+        <p:nvPicPr>
+          <p:cNvPr id="8" name="図 7">
+            <a:extLst>
+              <a:ext uri="{FF2B5EF4-FFF2-40B4-BE49-F238E27FC236}">
+                <a16:creationId xmlns:a16="http://schemas.microsoft.com/office/drawing/2014/main" id="{F12FA27A-7F60-9A11-25DF-AE0F32879D33}"/>
+              </a:ext>
+            </a:extLst>
+          </p:cNvPr>
+          <p:cNvPicPr>
+            <a:picLocks noChangeAspect="1"/>
+          </p:cNvPicPr>
+          <p:nvPr/>
+        </p:nvPicPr>
+        <p:blipFill>
+          <a:blip r:embed="rId2"/>
+          <a:stretch>
+            <a:fillRect/>
+          </a:stretch>
+        </p:blipFill>
+        <p:spPr>
+          <a:xfrm>
+            <a:off x="8115782" y="297448"/>
+            <a:ext cx="3330783" cy="2520000"/>
+          </a:xfrm>
+          <a:prstGeom prst="rect">
+            <a:avLst/>
+          </a:prstGeom>
+          <a:ln w="38100" cap="sq">
+            <a:solidFill>
+              <a:srgbClr val="000000"/>
+            </a:solidFill>
+            <a:prstDash val="solid"/>
+            <a:miter lim="800000"/>
+          </a:ln>
+          <a:effectLst>
+            <a:outerShdw blurRad="50800" dist="38100" dir="2700000" algn="tl" rotWithShape="0">
+              <a:srgbClr val="000000">
+                <a:alpha val="43000"/>
+              </a:srgbClr>
+            </a:outerShdw>
+          </a:effectLst>
+        </p:spPr>
+      </p:pic>
+      <p:pic>
+        <p:nvPicPr>
+          <p:cNvPr id="14" name="図 13">
+            <a:extLst>
+              <a:ext uri="{FF2B5EF4-FFF2-40B4-BE49-F238E27FC236}">
+                <a16:creationId xmlns:a16="http://schemas.microsoft.com/office/drawing/2014/main" id="{3DD2CCD2-F804-4FB8-7A61-527CABA4BD95}"/>
+              </a:ext>
+            </a:extLst>
+          </p:cNvPr>
+          <p:cNvPicPr>
+            <a:picLocks noChangeAspect="1"/>
+          </p:cNvPicPr>
+          <p:nvPr/>
+        </p:nvPicPr>
+        <p:blipFill>
+          <a:blip r:embed="rId3">
+            <a:extLst>
+              <a:ext uri="{28A0092B-C50C-407E-A947-70E740481C1C}">
+                <a14:useLocalDpi xmlns:a14="http://schemas.microsoft.com/office/drawing/2010/main" val="0"/>
+              </a:ext>
+            </a:extLst>
+          </a:blip>
+          <a:stretch>
+            <a:fillRect/>
+          </a:stretch>
+        </p:blipFill>
+        <p:spPr>
+          <a:xfrm>
+            <a:off x="1087491" y="2620336"/>
+            <a:ext cx="4725562" cy="3544172"/>
+          </a:xfrm>
+          <a:prstGeom prst="rect">
+            <a:avLst/>
+          </a:prstGeom>
+          <a:ln w="38100" cap="sq">
+            <a:solidFill>
+              <a:srgbClr val="000000"/>
+            </a:solidFill>
+            <a:prstDash val="solid"/>
+            <a:miter lim="800000"/>
+          </a:ln>
+          <a:effectLst>
+            <a:outerShdw blurRad="50800" dist="38100" dir="2700000" algn="tl" rotWithShape="0">
+              <a:srgbClr val="000000">
+                <a:alpha val="43000"/>
+              </a:srgbClr>
+            </a:outerShdw>
+          </a:effectLst>
+        </p:spPr>
+      </p:pic>
+      <p:pic>
+        <p:nvPicPr>
+          <p:cNvPr id="18" name="図 17">
+            <a:extLst>
+              <a:ext uri="{FF2B5EF4-FFF2-40B4-BE49-F238E27FC236}">
+                <a16:creationId xmlns:a16="http://schemas.microsoft.com/office/drawing/2014/main" id="{7385CC86-79DA-2485-8D0A-56908D6D926B}"/>
+              </a:ext>
+            </a:extLst>
+          </p:cNvPr>
+          <p:cNvPicPr>
+            <a:picLocks noChangeAspect="1"/>
+          </p:cNvPicPr>
+          <p:nvPr/>
+        </p:nvPicPr>
+        <p:blipFill>
+          <a:blip r:embed="rId4">
+            <a:extLst>
+              <a:ext uri="{28A0092B-C50C-407E-A947-70E740481C1C}">
+                <a14:useLocalDpi xmlns:a14="http://schemas.microsoft.com/office/drawing/2010/main" val="0"/>
+              </a:ext>
+            </a:extLst>
+          </a:blip>
+          <a:stretch>
+            <a:fillRect/>
+          </a:stretch>
+        </p:blipFill>
+        <p:spPr>
+          <a:xfrm>
+            <a:off x="8206566" y="3385721"/>
+            <a:ext cx="3239999" cy="2520000"/>
+          </a:xfrm>
+          <a:prstGeom prst="rect">
+            <a:avLst/>
+          </a:prstGeom>
+          <a:ln w="38100" cap="sq">
+            <a:solidFill>
+              <a:srgbClr val="000000"/>
+            </a:solidFill>
+            <a:prstDash val="solid"/>
+            <a:miter lim="800000"/>
+          </a:ln>
+          <a:effectLst>
+            <a:outerShdw blurRad="50800" dist="38100" dir="2700000" algn="tl" rotWithShape="0">
+              <a:srgbClr val="000000">
+                <a:alpha val="43000"/>
+              </a:srgbClr>
+            </a:outerShdw>
+          </a:effectLst>
+        </p:spPr>
+      </p:pic>
     </p:spTree>
     <p:extLst>
       <p:ext uri="{BB962C8B-B14F-4D97-AF65-F5344CB8AC3E}">
-        <p14:creationId xmlns:p14="http://schemas.microsoft.com/office/powerpoint/2010/main" val="3350595839"/>
+        <p14:creationId xmlns:p14="http://schemas.microsoft.com/office/powerpoint/2010/main" val="1534110809"/>
       </p:ext>
     </p:extLst>
   </p:cSld>
@@ -4530,18 +5839,23 @@
           <p:cNvPr id="2" name="タイトル 1">
             <a:extLst>
               <a:ext uri="{FF2B5EF4-FFF2-40B4-BE49-F238E27FC236}">
-                <a16:creationId xmlns:a16="http://schemas.microsoft.com/office/drawing/2014/main" id="{FB379D80-5F02-6F52-43BA-A13C06CC710D}"/>
-              </a:ext>
-            </a:extLst>
-          </p:cNvPr>
-          <p:cNvSpPr>
-            <a:spLocks noGrp="1"/>
-          </p:cNvSpPr>
-          <p:nvPr>
-            <p:ph type="ctrTitle"/>
-          </p:nvPr>
-        </p:nvSpPr>
-        <p:spPr/>
+                <a16:creationId xmlns:a16="http://schemas.microsoft.com/office/drawing/2014/main" id="{CE78A1FB-196D-9B73-630A-1466A45C8CA8}"/>
+              </a:ext>
+            </a:extLst>
+          </p:cNvPr>
+          <p:cNvSpPr>
+            <a:spLocks noGrp="1"/>
+          </p:cNvSpPr>
+          <p:nvPr>
+            <p:ph type="title"/>
+          </p:nvPr>
+        </p:nvSpPr>
+        <p:spPr>
+          <a:xfrm>
+            <a:off x="838200" y="365125"/>
+            <a:ext cx="10515600" cy="610235"/>
+          </a:xfrm>
+        </p:spPr>
         <p:txBody>
           <a:bodyPr>
             <a:normAutofit/>
@@ -4549,26 +5863,366 @@
           <a:lstStyle/>
           <a:p>
             <a:r>
-              <a:rPr kumimoji="1" lang="ja-JP" altLang="en-US" sz="4800" dirty="0"/>
-              <a:t>ご清聴ありがとうございました</a:t>
-            </a:r>
-          </a:p>
-        </p:txBody>
-      </p:sp>
-      <p:sp>
-        <p:nvSpPr>
-          <p:cNvPr id="3" name="字幕 2">
-            <a:extLst>
-              <a:ext uri="{FF2B5EF4-FFF2-40B4-BE49-F238E27FC236}">
-                <a16:creationId xmlns:a16="http://schemas.microsoft.com/office/drawing/2014/main" id="{57CFFD59-5112-01A1-8F24-080E34C47436}"/>
-              </a:ext>
-            </a:extLst>
-          </p:cNvPr>
-          <p:cNvSpPr>
-            <a:spLocks noGrp="1"/>
-          </p:cNvSpPr>
-          <p:nvPr>
-            <p:ph type="subTitle" idx="1"/>
+              <a:rPr kumimoji="1" lang="ja-JP" altLang="en-US" sz="3200" dirty="0"/>
+              <a:t>まとめ</a:t>
+            </a:r>
+          </a:p>
+        </p:txBody>
+      </p:sp>
+      <p:sp>
+        <p:nvSpPr>
+          <p:cNvPr id="3" name="コンテンツ プレースホルダー 2">
+            <a:extLst>
+              <a:ext uri="{FF2B5EF4-FFF2-40B4-BE49-F238E27FC236}">
+                <a16:creationId xmlns:a16="http://schemas.microsoft.com/office/drawing/2014/main" id="{0AD99923-542B-F00D-0663-524E140F5C9C}"/>
+              </a:ext>
+            </a:extLst>
+          </p:cNvPr>
+          <p:cNvSpPr>
+            <a:spLocks noGrp="1"/>
+          </p:cNvSpPr>
+          <p:nvPr>
+            <p:ph idx="1"/>
+          </p:nvPr>
+        </p:nvSpPr>
+        <p:spPr>
+          <a:xfrm>
+            <a:off x="838200" y="975360"/>
+            <a:ext cx="10515600" cy="5201603"/>
+          </a:xfrm>
+        </p:spPr>
+        <p:txBody>
+          <a:bodyPr>
+            <a:normAutofit fontScale="85000" lnSpcReduction="20000"/>
+          </a:bodyPr>
+          <a:lstStyle/>
+          <a:p>
+            <a:pPr marL="0" indent="0">
+              <a:buNone/>
+            </a:pPr>
+            <a:r>
+              <a:rPr kumimoji="1" lang="ja-JP" altLang="en-US" sz="2000" dirty="0"/>
+              <a:t>背景</a:t>
+            </a:r>
+            <a:endParaRPr kumimoji="1" lang="en-US" altLang="ja-JP" sz="2000" dirty="0"/>
+          </a:p>
+          <a:p>
+            <a:pPr marL="0" indent="0">
+              <a:buNone/>
+            </a:pPr>
+            <a:r>
+              <a:rPr kumimoji="1" lang="ja-JP" altLang="en-US" sz="2000" dirty="0"/>
+              <a:t>・自動運転技術をより確立させるため、知識選択型転移強化学習を用いた移動ロボットによる動的障害物回避を行う必要がある</a:t>
+            </a:r>
+            <a:endParaRPr kumimoji="1" lang="en-US" altLang="ja-JP" sz="2000" dirty="0"/>
+          </a:p>
+          <a:p>
+            <a:pPr marL="0" indent="0">
+              <a:buNone/>
+            </a:pPr>
+            <a:endParaRPr kumimoji="1" lang="en-US" altLang="ja-JP" sz="2000" dirty="0"/>
+          </a:p>
+          <a:p>
+            <a:pPr marL="0" indent="0">
+              <a:buNone/>
+            </a:pPr>
+            <a:r>
+              <a:rPr kumimoji="1" lang="ja-JP" altLang="en-US" sz="2000" dirty="0"/>
+              <a:t>結果</a:t>
+            </a:r>
+            <a:endParaRPr kumimoji="1" lang="en-US" altLang="ja-JP" sz="2000" dirty="0"/>
+          </a:p>
+          <a:p>
+            <a:r>
+              <a:rPr kumimoji="1" lang="ja-JP" altLang="en-US" sz="2000" dirty="0"/>
+              <a:t>知識タグを想定し文字列ネットワークで</a:t>
+            </a:r>
+            <a:r>
+              <a:rPr kumimoji="1" lang="en-US" altLang="ja-JP" sz="2000" dirty="0"/>
+              <a:t>SAP-net</a:t>
+            </a:r>
+            <a:r>
+              <a:rPr lang="en-US" altLang="ja-JP" sz="2000" dirty="0"/>
+              <a:t>(</a:t>
+            </a:r>
+            <a:r>
+              <a:rPr lang="ja-JP" altLang="en-US" sz="2000" dirty="0"/>
+              <a:t>仮</a:t>
+            </a:r>
+            <a:r>
+              <a:rPr lang="en-US" altLang="ja-JP" sz="2000" dirty="0"/>
+              <a:t>)</a:t>
+            </a:r>
+            <a:r>
+              <a:rPr lang="ja-JP" altLang="en-US" sz="2000" dirty="0"/>
+              <a:t>を完成させた</a:t>
+            </a:r>
+            <a:endParaRPr lang="en-US" altLang="ja-JP" sz="2000" dirty="0"/>
+          </a:p>
+          <a:p>
+            <a:r>
+              <a:rPr lang="ja-JP" altLang="en-US" sz="2000" dirty="0"/>
+              <a:t>拡散される知識タグ量：</a:t>
+            </a:r>
+            <a:r>
+              <a:rPr lang="en-US" altLang="ja-JP" sz="2000" dirty="0"/>
+              <a:t>3^(n-1)</a:t>
+            </a:r>
+          </a:p>
+          <a:p>
+            <a:r>
+              <a:rPr lang="ja-JP" altLang="en-US" sz="2000" dirty="0"/>
+              <a:t>知識タグのプログラム計算量：</a:t>
+            </a:r>
+            <a:r>
+              <a:rPr lang="en-US" altLang="ja-JP" sz="2000" dirty="0"/>
+              <a:t>O(N^2)</a:t>
+            </a:r>
+          </a:p>
+          <a:p>
+            <a:r>
+              <a:rPr lang="ja-JP" altLang="en-US" sz="2000" dirty="0"/>
+              <a:t>実行時間は</a:t>
+            </a:r>
+            <a:r>
+              <a:rPr lang="en-US" altLang="ja-JP" sz="2000" dirty="0"/>
+              <a:t>30</a:t>
+            </a:r>
+            <a:r>
+              <a:rPr lang="ja-JP" altLang="en-US" sz="2000" dirty="0"/>
+              <a:t>回目の活性化は</a:t>
+            </a:r>
+            <a:r>
+              <a:rPr lang="en-US" altLang="ja-JP" sz="2000" dirty="0"/>
+              <a:t>2641763.942</a:t>
+            </a:r>
+            <a:r>
+              <a:rPr lang="ja-JP" altLang="en-US" sz="2000" dirty="0"/>
+              <a:t>秒となる</a:t>
+            </a:r>
+            <a:endParaRPr lang="en-US" altLang="ja-JP" sz="2000" dirty="0"/>
+          </a:p>
+          <a:p>
+            <a:pPr marL="0" indent="0">
+              <a:buNone/>
+            </a:pPr>
+            <a:endParaRPr lang="en-US" altLang="ja-JP" sz="2000" dirty="0"/>
+          </a:p>
+          <a:p>
+            <a:pPr marL="0" indent="0">
+              <a:buNone/>
+            </a:pPr>
+            <a:r>
+              <a:rPr kumimoji="1" lang="ja-JP" altLang="en-US" sz="2000" dirty="0"/>
+              <a:t>課題</a:t>
+            </a:r>
+            <a:endParaRPr kumimoji="1" lang="en-US" altLang="ja-JP" sz="2000" dirty="0"/>
+          </a:p>
+          <a:p>
+            <a:r>
+              <a:rPr kumimoji="1" lang="ja-JP" altLang="en-US" sz="2000" dirty="0"/>
+              <a:t>強化学習から出力された知識へのタグ付け</a:t>
+            </a:r>
+          </a:p>
+          <a:p>
+            <a:r>
+              <a:rPr kumimoji="1" lang="ja-JP" altLang="en-US" sz="2000" dirty="0"/>
+              <a:t>知識同士の類似度の計算方法</a:t>
+            </a:r>
+          </a:p>
+          <a:p>
+            <a:r>
+              <a:rPr kumimoji="1" lang="ja-JP" altLang="en-US" sz="2000" dirty="0"/>
+              <a:t>拡散の理論上計算量の課題</a:t>
+            </a:r>
+          </a:p>
+          <a:p>
+            <a:r>
+              <a:rPr kumimoji="1" lang="ja-JP" altLang="en-US" sz="2000" dirty="0"/>
+              <a:t>知識選択の精度算出</a:t>
+            </a:r>
+          </a:p>
+          <a:p>
+            <a:r>
+              <a:rPr kumimoji="1" lang="ja-JP" altLang="en-US" sz="2000" dirty="0"/>
+              <a:t>動的障害物の回避</a:t>
+            </a:r>
+          </a:p>
+          <a:p>
+            <a:r>
+              <a:rPr kumimoji="1" lang="ja-JP" altLang="en-US" sz="2000" dirty="0"/>
+              <a:t>誤認識率の低下方法</a:t>
+            </a:r>
+            <a:endParaRPr kumimoji="1" lang="en-US" altLang="ja-JP" sz="2000" dirty="0"/>
+          </a:p>
+        </p:txBody>
+      </p:sp>
+      <p:sp>
+        <p:nvSpPr>
+          <p:cNvPr id="4" name="日付プレースホルダー 3">
+            <a:extLst>
+              <a:ext uri="{FF2B5EF4-FFF2-40B4-BE49-F238E27FC236}">
+                <a16:creationId xmlns:a16="http://schemas.microsoft.com/office/drawing/2014/main" id="{F6D5FE3B-2300-55C6-F94E-F088F7703265}"/>
+              </a:ext>
+            </a:extLst>
+          </p:cNvPr>
+          <p:cNvSpPr>
+            <a:spLocks noGrp="1"/>
+          </p:cNvSpPr>
+          <p:nvPr>
+            <p:ph type="dt" sz="half" idx="10"/>
+          </p:nvPr>
+        </p:nvSpPr>
+        <p:spPr/>
+        <p:txBody>
+          <a:bodyPr/>
+          <a:lstStyle/>
+          <a:p>
+            <a:r>
+              <a:rPr kumimoji="1" lang="en-US" altLang="ja-JP"/>
+              <a:t>2023/6/12</a:t>
+            </a:r>
+            <a:endParaRPr kumimoji="1" lang="ja-JP" altLang="en-US"/>
+          </a:p>
+        </p:txBody>
+      </p:sp>
+      <p:sp>
+        <p:nvSpPr>
+          <p:cNvPr id="5" name="フッター プレースホルダー 4">
+            <a:extLst>
+              <a:ext uri="{FF2B5EF4-FFF2-40B4-BE49-F238E27FC236}">
+                <a16:creationId xmlns:a16="http://schemas.microsoft.com/office/drawing/2014/main" id="{5393419A-66C5-E49C-E623-5866BACF1610}"/>
+              </a:ext>
+            </a:extLst>
+          </p:cNvPr>
+          <p:cNvSpPr>
+            <a:spLocks noGrp="1"/>
+          </p:cNvSpPr>
+          <p:nvPr>
+            <p:ph type="ftr" sz="quarter" idx="11"/>
+          </p:nvPr>
+        </p:nvSpPr>
+        <p:spPr>
+          <a:xfrm>
+            <a:off x="2956560" y="6356351"/>
+            <a:ext cx="6278880" cy="365124"/>
+          </a:xfrm>
+        </p:spPr>
+        <p:txBody>
+          <a:bodyPr/>
+          <a:lstStyle/>
+          <a:p>
+            <a:r>
+              <a:rPr kumimoji="1" lang="en-US" altLang="ja-JP"/>
+              <a:t>Copyright (c) Sora Takaya, Tokyo Denki University, All rights reserved 2023</a:t>
+            </a:r>
+            <a:endParaRPr kumimoji="1" lang="ja-JP" altLang="en-US"/>
+          </a:p>
+        </p:txBody>
+      </p:sp>
+      <p:sp>
+        <p:nvSpPr>
+          <p:cNvPr id="6" name="スライド番号プレースホルダー 5">
+            <a:extLst>
+              <a:ext uri="{FF2B5EF4-FFF2-40B4-BE49-F238E27FC236}">
+                <a16:creationId xmlns:a16="http://schemas.microsoft.com/office/drawing/2014/main" id="{3AA80BAA-EFEB-8CCA-D035-56D93B9EB24F}"/>
+              </a:ext>
+            </a:extLst>
+          </p:cNvPr>
+          <p:cNvSpPr>
+            <a:spLocks noGrp="1"/>
+          </p:cNvSpPr>
+          <p:nvPr>
+            <p:ph type="sldNum" sz="quarter" idx="12"/>
+          </p:nvPr>
+        </p:nvSpPr>
+        <p:spPr/>
+        <p:txBody>
+          <a:bodyPr/>
+          <a:lstStyle/>
+          <a:p>
+            <a:fld id="{1C6C4858-3BA6-4EDA-8B7D-9FB9AB0B31B8}" type="slidenum">
+              <a:rPr kumimoji="1" lang="ja-JP" altLang="en-US" smtClean="0"/>
+              <a:t>11</a:t>
+            </a:fld>
+            <a:endParaRPr kumimoji="1" lang="ja-JP" altLang="en-US"/>
+          </a:p>
+        </p:txBody>
+      </p:sp>
+      <p:graphicFrame>
+        <p:nvGraphicFramePr>
+          <p:cNvPr id="8" name="グラフ 7">
+            <a:extLst>
+              <a:ext uri="{FF2B5EF4-FFF2-40B4-BE49-F238E27FC236}">
+                <a16:creationId xmlns:a16="http://schemas.microsoft.com/office/drawing/2014/main" id="{3935B27A-9435-5380-23C1-F4F641E655C7}"/>
+              </a:ext>
+            </a:extLst>
+          </p:cNvPr>
+          <p:cNvGraphicFramePr>
+            <a:graphicFrameLocks/>
+          </p:cNvGraphicFramePr>
+          <p:nvPr>
+            <p:extLst>
+              <p:ext uri="{D42A27DB-BD31-4B8C-83A1-F6EECF244321}">
+                <p14:modId xmlns:p14="http://schemas.microsoft.com/office/powerpoint/2010/main" val="2568985158"/>
+              </p:ext>
+            </p:extLst>
+          </p:nvPr>
+        </p:nvGraphicFramePr>
+        <p:xfrm>
+          <a:off x="6553200" y="3433764"/>
+          <a:ext cx="4800600" cy="2743200"/>
+        </p:xfrm>
+        <a:graphic>
+          <a:graphicData uri="http://schemas.openxmlformats.org/drawingml/2006/chart">
+            <c:chart xmlns:c="http://schemas.openxmlformats.org/drawingml/2006/chart" xmlns:r="http://schemas.openxmlformats.org/officeDocument/2006/relationships" r:id="rId2"/>
+          </a:graphicData>
+        </a:graphic>
+      </p:graphicFrame>
+    </p:spTree>
+    <p:extLst>
+      <p:ext uri="{BB962C8B-B14F-4D97-AF65-F5344CB8AC3E}">
+        <p14:creationId xmlns:p14="http://schemas.microsoft.com/office/powerpoint/2010/main" val="3350595839"/>
+      </p:ext>
+    </p:extLst>
+  </p:cSld>
+  <p:clrMapOvr>
+    <a:masterClrMapping/>
+  </p:clrMapOvr>
+</p:sld>
+</file>
+
+<file path=ppt/slides/slide12.xml><?xml version="1.0" encoding="utf-8"?>
+<p:sld xmlns:a="http://schemas.openxmlformats.org/drawingml/2006/main" xmlns:r="http://schemas.openxmlformats.org/officeDocument/2006/relationships" xmlns:p="http://schemas.openxmlformats.org/presentationml/2006/main">
+  <p:cSld>
+    <p:spTree>
+      <p:nvGrpSpPr>
+        <p:cNvPr id="1" name=""/>
+        <p:cNvGrpSpPr/>
+        <p:nvPr/>
+      </p:nvGrpSpPr>
+      <p:grpSpPr>
+        <a:xfrm>
+          <a:off x="0" y="0"/>
+          <a:ext cx="0" cy="0"/>
+          <a:chOff x="0" y="0"/>
+          <a:chExt cx="0" cy="0"/>
+        </a:xfrm>
+      </p:grpSpPr>
+      <p:sp>
+        <p:nvSpPr>
+          <p:cNvPr id="2" name="タイトル 1">
+            <a:extLst>
+              <a:ext uri="{FF2B5EF4-FFF2-40B4-BE49-F238E27FC236}">
+                <a16:creationId xmlns:a16="http://schemas.microsoft.com/office/drawing/2014/main" id="{FB379D80-5F02-6F52-43BA-A13C06CC710D}"/>
+              </a:ext>
+            </a:extLst>
+          </p:cNvPr>
+          <p:cNvSpPr>
+            <a:spLocks noGrp="1"/>
+          </p:cNvSpPr>
+          <p:nvPr>
+            <p:ph type="ctrTitle"/>
           </p:nvPr>
         </p:nvSpPr>
         <p:spPr/>
@@ -4579,8 +6233,38 @@
           <a:lstStyle/>
           <a:p>
             <a:r>
+              <a:rPr kumimoji="1" lang="ja-JP" altLang="en-US" sz="4800" dirty="0"/>
+              <a:t>ご清聴ありがとうございました</a:t>
+            </a:r>
+          </a:p>
+        </p:txBody>
+      </p:sp>
+      <p:sp>
+        <p:nvSpPr>
+          <p:cNvPr id="3" name="字幕 2">
+            <a:extLst>
+              <a:ext uri="{FF2B5EF4-FFF2-40B4-BE49-F238E27FC236}">
+                <a16:creationId xmlns:a16="http://schemas.microsoft.com/office/drawing/2014/main" id="{57CFFD59-5112-01A1-8F24-080E34C47436}"/>
+              </a:ext>
+            </a:extLst>
+          </p:cNvPr>
+          <p:cNvSpPr>
+            <a:spLocks noGrp="1"/>
+          </p:cNvSpPr>
+          <p:nvPr>
+            <p:ph type="subTitle" idx="1"/>
+          </p:nvPr>
+        </p:nvSpPr>
+        <p:spPr/>
+        <p:txBody>
+          <a:bodyPr>
+            <a:normAutofit/>
+          </a:bodyPr>
+          <a:lstStyle/>
+          <a:p>
+            <a:r>
               <a:rPr lang="en-US" altLang="ja-JP" dirty="0"/>
-              <a:t>20ec043@ms.dendai.ac.jp</a:t>
+              <a:t>20ec070@ms.dendai.ac.jp</a:t>
             </a:r>
           </a:p>
         </p:txBody>
@@ -4671,7 +6355,7 @@
           <a:p>
             <a:fld id="{1C6C4858-3BA6-4EDA-8B7D-9FB9AB0B31B8}" type="slidenum">
               <a:rPr kumimoji="1" lang="ja-JP" altLang="en-US" smtClean="0"/>
-              <a:t>11</a:t>
+              <a:t>12</a:t>
             </a:fld>
             <a:endParaRPr kumimoji="1" lang="ja-JP" altLang="en-US"/>
           </a:p>
@@ -4770,51 +6454,12 @@
           </a:bodyPr>
           <a:lstStyle/>
           <a:p>
-            <a:r>
-              <a:rPr kumimoji="1" lang="ja-JP" altLang="en-US" sz="2000" dirty="0"/>
-              <a:t>自動運転への期待が高まっている</a:t>
-            </a:r>
-            <a:endParaRPr kumimoji="1" lang="en-US" altLang="ja-JP" sz="2000" dirty="0"/>
-          </a:p>
-          <a:p>
             <a:pPr marL="0" indent="0">
               <a:buNone/>
             </a:pPr>
             <a:r>
               <a:rPr lang="ja-JP" altLang="en-US" sz="2000" dirty="0"/>
-              <a:t>　・</a:t>
-            </a:r>
-            <a:r>
-              <a:rPr lang="en-US" altLang="ja-JP" sz="2000" dirty="0"/>
-              <a:t>2023</a:t>
-            </a:r>
-            <a:r>
-              <a:rPr lang="ja-JP" altLang="en-US" sz="2000" dirty="0"/>
-              <a:t>年</a:t>
-            </a:r>
-            <a:r>
-              <a:rPr lang="en-US" altLang="ja-JP" sz="2000" dirty="0"/>
-              <a:t>4</a:t>
-            </a:r>
-            <a:r>
-              <a:rPr lang="ja-JP" altLang="en-US" sz="2000" dirty="0"/>
-              <a:t>月</a:t>
-            </a:r>
-            <a:r>
-              <a:rPr lang="en-US" altLang="ja-JP" sz="2000" dirty="0"/>
-              <a:t>1</a:t>
-            </a:r>
-            <a:r>
-              <a:rPr lang="ja-JP" altLang="en-US" sz="2000" dirty="0"/>
-              <a:t>日より、特定の条件付きでレベル</a:t>
-            </a:r>
-            <a:r>
-              <a:rPr lang="en-US" altLang="ja-JP" sz="2000" dirty="0"/>
-              <a:t>4</a:t>
-            </a:r>
-            <a:r>
-              <a:rPr lang="ja-JP" altLang="en-US" sz="2000" dirty="0"/>
-              <a:t>の自動運転が可能に</a:t>
+              <a:t>自動運転技術の進展により、私たちは運転の負担から解放され、交通の安全性と効率性が向上する可能性が高まりつつある。</a:t>
             </a:r>
             <a:endParaRPr lang="en-US" altLang="ja-JP" sz="2000" dirty="0"/>
           </a:p>
@@ -4822,70 +6467,77 @@
             <a:pPr marL="0" indent="0">
               <a:buNone/>
             </a:pPr>
-            <a:r>
-              <a:rPr kumimoji="1" lang="ja-JP" altLang="en-US" sz="2000" dirty="0"/>
-              <a:t>　・</a:t>
-            </a:r>
-            <a:r>
-              <a:rPr kumimoji="1" lang="en-US" altLang="ja-JP" sz="2000" dirty="0"/>
-              <a:t>2023</a:t>
-            </a:r>
-            <a:r>
-              <a:rPr kumimoji="1" lang="ja-JP" altLang="en-US" sz="2000" dirty="0"/>
-              <a:t>年</a:t>
-            </a:r>
-            <a:r>
-              <a:rPr kumimoji="1" lang="en-US" altLang="ja-JP" sz="2000" dirty="0"/>
-              <a:t>5</a:t>
-            </a:r>
-            <a:r>
-              <a:rPr kumimoji="1" lang="ja-JP" altLang="en-US" sz="2000" dirty="0"/>
-              <a:t>月</a:t>
-            </a:r>
-            <a:r>
-              <a:rPr kumimoji="1" lang="en-US" altLang="ja-JP" sz="2000" dirty="0"/>
-              <a:t>28</a:t>
-            </a:r>
-            <a:r>
-              <a:rPr kumimoji="1" lang="ja-JP" altLang="en-US" sz="2000" dirty="0"/>
-              <a:t>日に福井県永平寺町で、レベル４の自動運転車の運行事業が開始</a:t>
-            </a:r>
-            <a:endParaRPr kumimoji="1" lang="en-US" altLang="ja-JP" sz="2000" dirty="0"/>
-          </a:p>
-          <a:p>
-            <a:endParaRPr lang="en-US" altLang="ja-JP" sz="2000" dirty="0"/>
-          </a:p>
-          <a:p>
-            <a:endParaRPr kumimoji="1" lang="en-US" altLang="ja-JP" sz="2000" dirty="0"/>
+            <a:endParaRPr lang="ja-JP" altLang="en-US" sz="2000" dirty="0"/>
           </a:p>
           <a:p>
             <a:r>
               <a:rPr lang="ja-JP" altLang="en-US" sz="2000" dirty="0"/>
-              <a:t>自動運転には機械学習が不可欠</a:t>
-            </a:r>
-            <a:endParaRPr kumimoji="1" lang="en-US" altLang="ja-JP" sz="2000" dirty="0"/>
-          </a:p>
-          <a:p>
-            <a:endParaRPr lang="en-US" altLang="ja-JP" sz="2000" dirty="0"/>
-          </a:p>
-          <a:p>
-            <a:endParaRPr kumimoji="1" lang="en-US" altLang="ja-JP" sz="2000" dirty="0"/>
+              <a:t>自動運転車の概要</a:t>
+            </a:r>
+            <a:r>
+              <a:rPr lang="en-US" altLang="ja-JP" sz="2000" dirty="0"/>
+              <a:t>:</a:t>
+            </a:r>
+            <a:endParaRPr lang="en-US" altLang="ja-JP" sz="2400" dirty="0"/>
+          </a:p>
+          <a:p>
+            <a:pPr lvl="1"/>
+            <a:r>
+              <a:rPr lang="ja-JP" altLang="en-US" sz="1600" dirty="0"/>
+              <a:t>自動運転車は機械学習技術を駆使して、リアルタイムの状況判断や障害物検知、交通ルールの遵守などを行い、自律的な運転を実現する。</a:t>
+            </a:r>
+            <a:endParaRPr lang="en-US" altLang="ja-JP" sz="1600" dirty="0"/>
+          </a:p>
+          <a:p>
+            <a:pPr lvl="1"/>
+            <a:endParaRPr lang="ja-JP" altLang="en-US" sz="1600" dirty="0"/>
           </a:p>
           <a:p>
             <a:r>
               <a:rPr lang="ja-JP" altLang="en-US" sz="2000" dirty="0"/>
-              <a:t>技術の知能化により生活が便利に</a:t>
-            </a:r>
-            <a:endParaRPr lang="en-US" altLang="ja-JP" sz="2000" dirty="0"/>
-          </a:p>
-          <a:p>
-            <a:endParaRPr kumimoji="1" lang="en-US" altLang="ja-JP" sz="2000" dirty="0"/>
-          </a:p>
-          <a:p>
-            <a:endParaRPr lang="en-US" altLang="ja-JP" sz="2000" dirty="0"/>
-          </a:p>
-          <a:p>
-            <a:endParaRPr kumimoji="1" lang="ja-JP" altLang="en-US" sz="2000" dirty="0"/>
+              <a:t>自動運転車の課題</a:t>
+            </a:r>
+            <a:r>
+              <a:rPr lang="en-US" altLang="ja-JP" sz="2000" dirty="0"/>
+              <a:t>:</a:t>
+            </a:r>
+          </a:p>
+          <a:p>
+            <a:pPr lvl="1"/>
+            <a:r>
+              <a:rPr lang="ja-JP" altLang="en-US" sz="1600" dirty="0"/>
+              <a:t>自動運転車が直面する課題の一つとして、動的な障害物の回避</a:t>
+            </a:r>
+          </a:p>
+          <a:p>
+            <a:pPr lvl="1"/>
+            <a:r>
+              <a:rPr lang="ja-JP" altLang="en-US" sz="1600" dirty="0"/>
+              <a:t>現行の自動運転技術では静的な障害物への対応は可能だが、動的な障害物の予測と回避は依然として課題とされている。</a:t>
+            </a:r>
+            <a:endParaRPr lang="en-US" altLang="ja-JP" sz="1600" dirty="0"/>
+          </a:p>
+          <a:p>
+            <a:pPr lvl="1"/>
+            <a:endParaRPr lang="ja-JP" altLang="en-US" sz="1600" dirty="0"/>
+          </a:p>
+          <a:p>
+            <a:r>
+              <a:rPr lang="ja-JP" altLang="en-US" sz="2000" dirty="0"/>
+              <a:t>研究の目的</a:t>
+            </a:r>
+            <a:r>
+              <a:rPr lang="en-US" altLang="ja-JP" sz="2000" dirty="0"/>
+              <a:t>:</a:t>
+            </a:r>
+          </a:p>
+          <a:p>
+            <a:pPr lvl="1"/>
+            <a:r>
+              <a:rPr lang="ja-JP" altLang="en-US" sz="1600" dirty="0"/>
+              <a:t>知識選択型転移強化学習を用いた移動ロボットにおける動的障害物回避の実現</a:t>
+            </a:r>
+            <a:endParaRPr lang="en-US" altLang="ja-JP" sz="1600" dirty="0"/>
           </a:p>
         </p:txBody>
       </p:sp>
@@ -4936,8 +6588,8 @@
         </p:nvSpPr>
         <p:spPr>
           <a:xfrm>
-            <a:off x="3048000" y="6356351"/>
-            <a:ext cx="6096000" cy="365124"/>
+            <a:off x="2346960" y="6356351"/>
+            <a:ext cx="7498080" cy="365124"/>
           </a:xfrm>
         </p:spPr>
         <p:txBody>
@@ -4948,7 +6600,7 @@
               <a:rPr kumimoji="1" lang="en-US" altLang="ja-JP"/>
               <a:t>Copyright (c) Sora Takaya, Tokyo Denki University, All rights reserved 2023</a:t>
             </a:r>
-            <a:endParaRPr kumimoji="1" lang="ja-JP" altLang="en-US"/>
+            <a:endParaRPr kumimoji="1" lang="ja-JP" altLang="en-US" dirty="0"/>
           </a:p>
         </p:txBody>
       </p:sp>
@@ -4981,109 +6633,10 @@
           </a:p>
         </p:txBody>
       </p:sp>
-      <p:pic>
-        <p:nvPicPr>
-          <p:cNvPr id="1026" name="Picture 2">
-            <a:extLst>
-              <a:ext uri="{FF2B5EF4-FFF2-40B4-BE49-F238E27FC236}">
-                <a16:creationId xmlns:a16="http://schemas.microsoft.com/office/drawing/2014/main" id="{67551695-47B4-042E-0FFC-CDD0814D2735}"/>
-              </a:ext>
-            </a:extLst>
-          </p:cNvPr>
-          <p:cNvPicPr>
-            <a:picLocks noChangeAspect="1" noChangeArrowheads="1"/>
-          </p:cNvPicPr>
-          <p:nvPr/>
-        </p:nvPicPr>
-        <p:blipFill>
-          <a:blip r:embed="rId2">
-            <a:extLst>
-              <a:ext uri="{28A0092B-C50C-407E-A947-70E740481C1C}">
-                <a14:useLocalDpi xmlns:a14="http://schemas.microsoft.com/office/drawing/2010/main" val="0"/>
-              </a:ext>
-            </a:extLst>
-          </a:blip>
-          <a:srcRect/>
-          <a:stretch>
-            <a:fillRect/>
-          </a:stretch>
-        </p:blipFill>
-        <p:spPr bwMode="auto">
-          <a:xfrm>
-            <a:off x="6111238" y="2536607"/>
-            <a:ext cx="5727989" cy="2520315"/>
-          </a:xfrm>
-          <a:prstGeom prst="rect">
-            <a:avLst/>
-          </a:prstGeom>
-          <a:ln w="127000" cap="sq">
-            <a:solidFill>
-              <a:srgbClr val="000000"/>
-            </a:solidFill>
-            <a:miter lim="800000"/>
-          </a:ln>
-          <a:effectLst>
-            <a:outerShdw blurRad="57150" dist="50800" dir="2700000" algn="tl" rotWithShape="0">
-              <a:srgbClr val="000000">
-                <a:alpha val="40000"/>
-              </a:srgbClr>
-            </a:outerShdw>
-          </a:effectLst>
-          <a:extLst>
-            <a:ext uri="{909E8E84-426E-40DD-AFC4-6F175D3DCCD1}">
-              <a14:hiddenFill xmlns:a14="http://schemas.microsoft.com/office/drawing/2010/main">
-                <a:solidFill>
-                  <a:srgbClr val="FFFFFF"/>
-                </a:solidFill>
-              </a14:hiddenFill>
-            </a:ext>
-          </a:extLst>
-        </p:spPr>
-      </p:pic>
-      <p:sp>
-        <p:nvSpPr>
-          <p:cNvPr id="7" name="テキスト ボックス 6">
-            <a:extLst>
-              <a:ext uri="{FF2B5EF4-FFF2-40B4-BE49-F238E27FC236}">
-                <a16:creationId xmlns:a16="http://schemas.microsoft.com/office/drawing/2014/main" id="{FD0DE68A-4206-1ACA-9E66-7B78A82B4E0E}"/>
-              </a:ext>
-            </a:extLst>
-          </p:cNvPr>
-          <p:cNvSpPr txBox="1"/>
-          <p:nvPr/>
-        </p:nvSpPr>
-        <p:spPr>
-          <a:xfrm>
-            <a:off x="6004559" y="5236309"/>
-            <a:ext cx="5941349" cy="261610"/>
-          </a:xfrm>
-          <a:prstGeom prst="rect">
-            <a:avLst/>
-          </a:prstGeom>
-          <a:noFill/>
-        </p:spPr>
-        <p:txBody>
-          <a:bodyPr wrap="square" rtlCol="0">
-            <a:spAutoFit/>
-          </a:bodyPr>
-          <a:lstStyle/>
-          <a:p>
-            <a:r>
-              <a:rPr kumimoji="1" lang="ja-JP" altLang="en-US" sz="1100" dirty="0"/>
-              <a:t>出典：</a:t>
-            </a:r>
-            <a:r>
-              <a:rPr kumimoji="1" lang="en-US" altLang="ja-JP" sz="1100" dirty="0"/>
-              <a:t>https://staff.persol-xtech.co.jp/hatalabo/mono_engineer/568.html</a:t>
-            </a:r>
-            <a:endParaRPr kumimoji="1" lang="ja-JP" altLang="en-US" sz="1100" dirty="0"/>
-          </a:p>
-        </p:txBody>
-      </p:sp>
     </p:spTree>
     <p:extLst>
       <p:ext uri="{BB962C8B-B14F-4D97-AF65-F5344CB8AC3E}">
-        <p14:creationId xmlns:p14="http://schemas.microsoft.com/office/powerpoint/2010/main" val="1763182883"/>
+        <p14:creationId xmlns:p14="http://schemas.microsoft.com/office/powerpoint/2010/main" val="1430193317"/>
       </p:ext>
     </p:extLst>
   </p:cSld>
@@ -5140,7 +6693,7 @@
           <a:p>
             <a:r>
               <a:rPr kumimoji="1" lang="ja-JP" altLang="en-US" sz="3200" dirty="0"/>
-              <a:t>研究背景</a:t>
+              <a:t>既存研究</a:t>
             </a:r>
           </a:p>
         </p:txBody>
@@ -5174,107 +6727,56 @@
           <a:lstStyle/>
           <a:p>
             <a:r>
-              <a:rPr lang="ja-JP" altLang="en-US" sz="2000" dirty="0"/>
-              <a:t>知能化技術は様々な場面に適応したい</a:t>
-            </a:r>
-            <a:endParaRPr lang="en-US" altLang="ja-JP" sz="2000" dirty="0"/>
-          </a:p>
-          <a:p>
-            <a:pPr marL="0" indent="0">
-              <a:buNone/>
-            </a:pPr>
-            <a:r>
-              <a:rPr lang="ja-JP" altLang="en-US" sz="2000" dirty="0"/>
-              <a:t>　・ルンバの移動パターンがどこでも固定だったら</a:t>
-            </a:r>
-            <a:r>
-              <a:rPr lang="en-US" altLang="ja-JP" sz="2000" dirty="0"/>
-              <a:t>?</a:t>
-            </a:r>
-          </a:p>
-          <a:p>
-            <a:pPr marL="0" indent="0">
-              <a:buNone/>
-            </a:pPr>
-            <a:r>
-              <a:rPr kumimoji="1" lang="ja-JP" altLang="en-US" sz="2000" dirty="0"/>
-              <a:t>　・レスキューロボットが瓦礫を想定していなかったら</a:t>
-            </a:r>
-            <a:r>
-              <a:rPr kumimoji="1" lang="en-US" altLang="ja-JP" sz="2000" dirty="0"/>
-              <a:t>?</a:t>
-            </a:r>
-            <a:endParaRPr lang="en-US" altLang="ja-JP" sz="2000" dirty="0"/>
-          </a:p>
-          <a:p>
-            <a:endParaRPr kumimoji="1" lang="en-US" altLang="ja-JP" sz="2000" dirty="0"/>
-          </a:p>
-          <a:p>
-            <a:r>
-              <a:rPr lang="ja-JP" altLang="en-US" sz="2000" dirty="0"/>
-              <a:t>自律的ロボットに効果的な転移強化学習に着目する</a:t>
-            </a:r>
-            <a:endParaRPr kumimoji="1" lang="en-US" altLang="ja-JP" sz="2000" dirty="0"/>
-          </a:p>
-          <a:p>
-            <a:endParaRPr lang="en-US" altLang="ja-JP" sz="2000" dirty="0"/>
-          </a:p>
-          <a:p>
-            <a:r>
-              <a:rPr kumimoji="1" lang="ja-JP" altLang="en-US" sz="2000" dirty="0"/>
-              <a:t>強化学習</a:t>
-            </a:r>
-            <a:endParaRPr kumimoji="1" lang="en-US" altLang="ja-JP" sz="2000" dirty="0"/>
-          </a:p>
-          <a:p>
-            <a:pPr marL="0" indent="0">
-              <a:buNone/>
-            </a:pPr>
-            <a:r>
-              <a:rPr lang="ja-JP" altLang="en-US" sz="2000" dirty="0"/>
-              <a:t>　・置かれている環境において試行錯誤的に行動</a:t>
-            </a:r>
-            <a:endParaRPr kumimoji="1" lang="en-US" altLang="ja-JP" sz="2000" dirty="0"/>
-          </a:p>
-          <a:p>
-            <a:pPr marL="0" indent="0">
-              <a:buNone/>
-            </a:pPr>
-            <a:r>
-              <a:rPr lang="ja-JP" altLang="en-US" sz="2000" dirty="0"/>
-              <a:t>　・試行錯誤を通じて獲得した、報酬を最大化する行動規則を知識として獲得</a:t>
-            </a:r>
-            <a:endParaRPr lang="en-US" altLang="ja-JP" sz="2000" dirty="0"/>
-          </a:p>
-          <a:p>
-            <a:endParaRPr kumimoji="1" lang="en-US" altLang="ja-JP" sz="2000" dirty="0"/>
-          </a:p>
-          <a:p>
-            <a:r>
-              <a:rPr lang="ja-JP" altLang="en-US" sz="2000" dirty="0"/>
-              <a:t>転移学習</a:t>
-            </a:r>
-            <a:endParaRPr lang="en-US" altLang="ja-JP" sz="2000" dirty="0"/>
-          </a:p>
-          <a:p>
-            <a:pPr marL="0" indent="0">
-              <a:buNone/>
-            </a:pPr>
-            <a:r>
-              <a:rPr lang="ja-JP" altLang="en-US" sz="2000" dirty="0"/>
-              <a:t>　・過去に学習した知識をこれから学習するタスクに転移</a:t>
-            </a:r>
-            <a:endParaRPr lang="en-US" altLang="ja-JP" sz="2000" dirty="0"/>
-          </a:p>
-          <a:p>
-            <a:pPr marL="0" indent="0">
-              <a:buNone/>
-            </a:pPr>
-            <a:r>
-              <a:rPr lang="ja-JP" altLang="en-US" sz="2000" dirty="0"/>
-              <a:t>　・学習速度の向上や環境への適応度の向上</a:t>
-            </a:r>
-            <a:endParaRPr lang="en-US" altLang="ja-JP" sz="2000" dirty="0"/>
+              <a:rPr lang="en-US" altLang="ja-JP" dirty="0"/>
+              <a:t>Probabilistic Policy Reuse [F. Fernandez et al. 2006]</a:t>
+            </a:r>
+          </a:p>
+          <a:p>
+            <a:pPr lvl="1"/>
+            <a:r>
+              <a:rPr lang="ja-JP" altLang="en-US" dirty="0"/>
+              <a:t>転移元タスクで学習された方策の確率分布を推定し、その確率分布を転移先タスクでの方策学習に利用する</a:t>
+            </a:r>
+            <a:endParaRPr lang="en-US" altLang="ja-JP" dirty="0"/>
+          </a:p>
+          <a:p>
+            <a:r>
+              <a:rPr lang="en-US" altLang="ja-JP" dirty="0"/>
+              <a:t>MASTER [M. E. et al. 2009]</a:t>
+            </a:r>
+          </a:p>
+          <a:p>
+            <a:pPr lvl="1"/>
+            <a:r>
+              <a:rPr lang="ja-JP" altLang="en-US" dirty="0"/>
+              <a:t>転移元タスクで学習された教師モデルからのフィードバックを転移先タスクで利用</a:t>
+            </a:r>
+            <a:endParaRPr lang="en-US" altLang="ja-JP" dirty="0"/>
+          </a:p>
+          <a:p>
+            <a:r>
+              <a:rPr lang="en-US" altLang="ja-JP" dirty="0"/>
+              <a:t>SAP-net [</a:t>
+            </a:r>
+            <a:r>
+              <a:rPr lang="en-US" altLang="ja-JP" dirty="0" err="1"/>
+              <a:t>Kono</a:t>
+            </a:r>
+            <a:r>
+              <a:rPr lang="en-US" altLang="ja-JP" dirty="0"/>
+              <a:t> et al. 2022]</a:t>
+            </a:r>
+          </a:p>
+          <a:p>
+            <a:pPr lvl="1"/>
+            <a:r>
+              <a:rPr lang="ja-JP" altLang="en-US" dirty="0"/>
+              <a:t>ヒトの「思い出す」をモデルにした活性化拡散モデルをヒントにした手法</a:t>
+            </a:r>
+            <a:endParaRPr lang="en-US" altLang="ja-JP" dirty="0"/>
+          </a:p>
+          <a:p>
+            <a:endParaRPr lang="en-US" altLang="ja-JP" dirty="0"/>
           </a:p>
         </p:txBody>
       </p:sp>
@@ -5325,8 +6827,8 @@
         </p:nvSpPr>
         <p:spPr>
           <a:xfrm>
-            <a:off x="2346960" y="6356351"/>
-            <a:ext cx="7498080" cy="365124"/>
+            <a:off x="2225040" y="6356351"/>
+            <a:ext cx="7741920" cy="365124"/>
           </a:xfrm>
         </p:spPr>
         <p:txBody>
@@ -5337,7 +6839,7 @@
               <a:rPr kumimoji="1" lang="en-US" altLang="ja-JP"/>
               <a:t>Copyright (c) Sora Takaya, Tokyo Denki University, All rights reserved 2023</a:t>
             </a:r>
-            <a:endParaRPr kumimoji="1" lang="ja-JP" altLang="en-US" dirty="0"/>
+            <a:endParaRPr kumimoji="1" lang="ja-JP" altLang="en-US"/>
           </a:p>
         </p:txBody>
       </p:sp>
@@ -5373,7 +6875,7 @@
     </p:spTree>
     <p:extLst>
       <p:ext uri="{BB962C8B-B14F-4D97-AF65-F5344CB8AC3E}">
-        <p14:creationId xmlns:p14="http://schemas.microsoft.com/office/powerpoint/2010/main" val="1430193317"/>
+        <p14:creationId xmlns:p14="http://schemas.microsoft.com/office/powerpoint/2010/main" val="3470930956"/>
       </p:ext>
     </p:extLst>
   </p:cSld>
@@ -5429,9 +6931,10 @@
           <a:lstStyle/>
           <a:p>
             <a:r>
-              <a:rPr kumimoji="1" lang="ja-JP" altLang="en-US" sz="3200" dirty="0"/>
-              <a:t>研究背景</a:t>
-            </a:r>
+              <a:rPr lang="ja-JP" altLang="en-US" sz="3200" dirty="0"/>
+              <a:t>課題</a:t>
+            </a:r>
+            <a:endParaRPr kumimoji="1" lang="ja-JP" altLang="en-US" sz="3200" dirty="0"/>
           </a:p>
         </p:txBody>
       </p:sp>
@@ -5464,394 +6967,67 @@
           <a:lstStyle/>
           <a:p>
             <a:r>
-              <a:rPr kumimoji="1" lang="ja-JP" altLang="en-US" sz="2000" dirty="0"/>
-              <a:t>転移学習は知識選択が重要</a:t>
-            </a:r>
-            <a:endParaRPr kumimoji="1" lang="en-US" altLang="ja-JP" sz="2000" dirty="0"/>
-          </a:p>
-          <a:p>
-            <a:endParaRPr lang="en-US" altLang="ja-JP" sz="2000" dirty="0"/>
-          </a:p>
-          <a:p>
-            <a:endParaRPr lang="en-US" altLang="ja-JP" sz="2000" dirty="0"/>
-          </a:p>
-          <a:p>
-            <a:r>
-              <a:rPr kumimoji="1" lang="ja-JP" altLang="en-US" sz="2000" dirty="0"/>
-              <a:t>既存研究</a:t>
-            </a:r>
-            <a:endParaRPr kumimoji="1" lang="en-US" altLang="ja-JP" sz="2000" dirty="0"/>
-          </a:p>
-          <a:p>
-            <a:pPr marL="0" indent="0">
-              <a:buNone/>
-            </a:pPr>
-            <a:r>
-              <a:rPr lang="ja-JP" altLang="en-US" sz="2000" dirty="0"/>
-              <a:t>　・</a:t>
-            </a:r>
-            <a:r>
-              <a:rPr lang="en-US" altLang="ja-JP" sz="2000" dirty="0"/>
-              <a:t>Probabilistic Policy Reuse</a:t>
-            </a:r>
-            <a:r>
-              <a:rPr lang="en-US" altLang="ja-JP" sz="1600" dirty="0"/>
-              <a:t>[F. Fernandez</a:t>
-            </a:r>
-            <a:r>
-              <a:rPr lang="ja-JP" altLang="en-US" sz="1600" dirty="0"/>
-              <a:t>ら</a:t>
-            </a:r>
-            <a:r>
-              <a:rPr lang="en-US" altLang="ja-JP" sz="1600" dirty="0"/>
-              <a:t>]</a:t>
-            </a:r>
-          </a:p>
-          <a:p>
-            <a:pPr marL="457200" lvl="1" indent="0">
-              <a:buNone/>
-            </a:pPr>
-            <a:r>
-              <a:rPr kumimoji="1" lang="ja-JP" altLang="en-US" sz="1600" dirty="0"/>
-              <a:t>・転移元タスクで学習された方策の確率分布を推定し、その確率分布を転移先タスクでの方策学習に利用する</a:t>
-            </a:r>
-            <a:endParaRPr kumimoji="1" lang="en-US" altLang="ja-JP" sz="1600" dirty="0"/>
-          </a:p>
-          <a:p>
-            <a:pPr marL="0" indent="0">
-              <a:buNone/>
-            </a:pPr>
-            <a:r>
-              <a:rPr lang="ja-JP" altLang="en-US" sz="2000" dirty="0"/>
-              <a:t>　・</a:t>
-            </a:r>
-            <a:r>
-              <a:rPr lang="en-US" altLang="ja-JP" sz="2000" dirty="0"/>
-              <a:t>MASTER</a:t>
-            </a:r>
-            <a:r>
-              <a:rPr lang="en-US" altLang="ja-JP" sz="1600" dirty="0"/>
-              <a:t>[M. E. Taylor</a:t>
-            </a:r>
-            <a:r>
-              <a:rPr lang="ja-JP" altLang="en-US" sz="1600" dirty="0"/>
-              <a:t>ら</a:t>
-            </a:r>
-            <a:r>
-              <a:rPr lang="en-US" altLang="ja-JP" sz="1600" dirty="0"/>
-              <a:t>]</a:t>
-            </a:r>
-          </a:p>
-          <a:p>
-            <a:pPr marL="457200" lvl="1" indent="0">
-              <a:buNone/>
-            </a:pPr>
-            <a:r>
-              <a:rPr kumimoji="1" lang="ja-JP" altLang="en-US" sz="2000" dirty="0"/>
-              <a:t>・</a:t>
-            </a:r>
-            <a:r>
-              <a:rPr lang="ja-JP" altLang="en-US" sz="1600" b="0" i="0" dirty="0">
-                <a:solidFill>
-                  <a:srgbClr val="374151"/>
-                </a:solidFill>
-                <a:effectLst/>
-                <a:latin typeface="Söhne"/>
-              </a:rPr>
-              <a:t>転移元タスクで学習された教師モデルからのフィードバックを転移先タスクで利用</a:t>
-            </a:r>
-            <a:endParaRPr kumimoji="1" lang="en-US" altLang="ja-JP" sz="2000" dirty="0"/>
-          </a:p>
-          <a:p>
-            <a:pPr marL="0" indent="0">
-              <a:buNone/>
-            </a:pPr>
-            <a:r>
-              <a:rPr lang="ja-JP" altLang="en-US" sz="2000" dirty="0"/>
-              <a:t>　・</a:t>
-            </a:r>
-            <a:r>
-              <a:rPr lang="en-US" altLang="ja-JP" sz="2000" dirty="0"/>
+              <a:rPr kumimoji="1" lang="en-US" altLang="ja-JP" sz="3200" dirty="0"/>
               <a:t>SAP-net</a:t>
             </a:r>
             <a:r>
-              <a:rPr lang="en-US" altLang="ja-JP" sz="1600" dirty="0"/>
-              <a:t>[</a:t>
-            </a:r>
-            <a:r>
-              <a:rPr lang="ja-JP" altLang="en-US" sz="1600" dirty="0"/>
-              <a:t>河野ら</a:t>
-            </a:r>
-            <a:r>
-              <a:rPr lang="en-US" altLang="ja-JP" sz="1600" dirty="0"/>
-              <a:t>]</a:t>
-            </a:r>
-          </a:p>
-          <a:p>
-            <a:pPr marL="457200" lvl="1" indent="0">
-              <a:buNone/>
-            </a:pPr>
-            <a:r>
-              <a:rPr lang="ja-JP" altLang="en-US" sz="1600" dirty="0"/>
-              <a:t>・ヒトの「思い出す」をモデルにした活性化拡散モデルをヒントにした手法</a:t>
-            </a:r>
-            <a:endParaRPr kumimoji="1" lang="en-US" altLang="ja-JP" sz="1600" dirty="0"/>
-          </a:p>
-          <a:p>
-            <a:endParaRPr lang="en-US" altLang="ja-JP" sz="2000" dirty="0"/>
-          </a:p>
-        </p:txBody>
-      </p:sp>
-      <p:sp>
-        <p:nvSpPr>
-          <p:cNvPr id="4" name="日付プレースホルダー 3">
-            <a:extLst>
-              <a:ext uri="{FF2B5EF4-FFF2-40B4-BE49-F238E27FC236}">
-                <a16:creationId xmlns:a16="http://schemas.microsoft.com/office/drawing/2014/main" id="{F6D5FE3B-2300-55C6-F94E-F088F7703265}"/>
-              </a:ext>
-            </a:extLst>
-          </p:cNvPr>
-          <p:cNvSpPr>
-            <a:spLocks noGrp="1"/>
-          </p:cNvSpPr>
-          <p:nvPr>
-            <p:ph type="dt" sz="half" idx="10"/>
-          </p:nvPr>
-        </p:nvSpPr>
-        <p:spPr/>
-        <p:txBody>
-          <a:bodyPr/>
-          <a:lstStyle/>
-          <a:p>
-            <a:r>
-              <a:rPr kumimoji="1" lang="en-US" altLang="ja-JP"/>
-              <a:t>2023/6/12</a:t>
-            </a:r>
-            <a:endParaRPr kumimoji="1" lang="ja-JP" altLang="en-US"/>
-          </a:p>
-        </p:txBody>
-      </p:sp>
-      <p:sp>
-        <p:nvSpPr>
-          <p:cNvPr id="5" name="フッター プレースホルダー 4">
-            <a:extLst>
-              <a:ext uri="{FF2B5EF4-FFF2-40B4-BE49-F238E27FC236}">
-                <a16:creationId xmlns:a16="http://schemas.microsoft.com/office/drawing/2014/main" id="{5393419A-66C5-E49C-E623-5866BACF1610}"/>
-              </a:ext>
-            </a:extLst>
-          </p:cNvPr>
-          <p:cNvSpPr>
-            <a:spLocks noGrp="1"/>
-          </p:cNvSpPr>
-          <p:nvPr>
-            <p:ph type="ftr" sz="quarter" idx="11"/>
-          </p:nvPr>
-        </p:nvSpPr>
-        <p:spPr>
-          <a:xfrm>
-            <a:off x="2225040" y="6356351"/>
-            <a:ext cx="7741920" cy="365124"/>
-          </a:xfrm>
-        </p:spPr>
-        <p:txBody>
-          <a:bodyPr/>
-          <a:lstStyle/>
-          <a:p>
-            <a:r>
-              <a:rPr kumimoji="1" lang="en-US" altLang="ja-JP"/>
-              <a:t>Copyright (c) Sora Takaya, Tokyo Denki University, All rights reserved 2023</a:t>
-            </a:r>
-            <a:endParaRPr kumimoji="1" lang="ja-JP" altLang="en-US"/>
-          </a:p>
-        </p:txBody>
-      </p:sp>
-      <p:sp>
-        <p:nvSpPr>
-          <p:cNvPr id="6" name="スライド番号プレースホルダー 5">
-            <a:extLst>
-              <a:ext uri="{FF2B5EF4-FFF2-40B4-BE49-F238E27FC236}">
-                <a16:creationId xmlns:a16="http://schemas.microsoft.com/office/drawing/2014/main" id="{3AA80BAA-EFEB-8CCA-D035-56D93B9EB24F}"/>
-              </a:ext>
-            </a:extLst>
-          </p:cNvPr>
-          <p:cNvSpPr>
-            <a:spLocks noGrp="1"/>
-          </p:cNvSpPr>
-          <p:nvPr>
-            <p:ph type="sldNum" sz="quarter" idx="12"/>
-          </p:nvPr>
-        </p:nvSpPr>
-        <p:spPr/>
-        <p:txBody>
-          <a:bodyPr/>
-          <a:lstStyle/>
-          <a:p>
-            <a:fld id="{1C6C4858-3BA6-4EDA-8B7D-9FB9AB0B31B8}" type="slidenum">
-              <a:rPr kumimoji="1" lang="ja-JP" altLang="en-US" smtClean="0"/>
-              <a:t>4</a:t>
-            </a:fld>
-            <a:endParaRPr kumimoji="1" lang="ja-JP" altLang="en-US"/>
-          </a:p>
-        </p:txBody>
-      </p:sp>
-    </p:spTree>
-    <p:extLst>
-      <p:ext uri="{BB962C8B-B14F-4D97-AF65-F5344CB8AC3E}">
-        <p14:creationId xmlns:p14="http://schemas.microsoft.com/office/powerpoint/2010/main" val="3470930956"/>
-      </p:ext>
-    </p:extLst>
-  </p:cSld>
-  <p:clrMapOvr>
-    <a:masterClrMapping/>
-  </p:clrMapOvr>
-</p:sld>
-</file>
-
-<file path=ppt/slides/slide5.xml><?xml version="1.0" encoding="utf-8"?>
-<p:sld xmlns:a="http://schemas.openxmlformats.org/drawingml/2006/main" xmlns:r="http://schemas.openxmlformats.org/officeDocument/2006/relationships" xmlns:p="http://schemas.openxmlformats.org/presentationml/2006/main">
-  <p:cSld>
-    <p:spTree>
-      <p:nvGrpSpPr>
-        <p:cNvPr id="1" name=""/>
-        <p:cNvGrpSpPr/>
-        <p:nvPr/>
-      </p:nvGrpSpPr>
-      <p:grpSpPr>
-        <a:xfrm>
-          <a:off x="0" y="0"/>
-          <a:ext cx="0" cy="0"/>
-          <a:chOff x="0" y="0"/>
-          <a:chExt cx="0" cy="0"/>
-        </a:xfrm>
-      </p:grpSpPr>
-      <p:sp>
-        <p:nvSpPr>
-          <p:cNvPr id="2" name="タイトル 1">
-            <a:extLst>
-              <a:ext uri="{FF2B5EF4-FFF2-40B4-BE49-F238E27FC236}">
-                <a16:creationId xmlns:a16="http://schemas.microsoft.com/office/drawing/2014/main" id="{CE78A1FB-196D-9B73-630A-1466A45C8CA8}"/>
-              </a:ext>
-            </a:extLst>
-          </p:cNvPr>
-          <p:cNvSpPr>
-            <a:spLocks noGrp="1"/>
-          </p:cNvSpPr>
-          <p:nvPr>
-            <p:ph type="title"/>
-          </p:nvPr>
-        </p:nvSpPr>
-        <p:spPr>
-          <a:xfrm>
-            <a:off x="838200" y="365125"/>
-            <a:ext cx="10515600" cy="610235"/>
-          </a:xfrm>
-        </p:spPr>
-        <p:txBody>
-          <a:bodyPr>
-            <a:normAutofit/>
-          </a:bodyPr>
-          <a:lstStyle/>
-          <a:p>
+              <a:rPr kumimoji="1" lang="ja-JP" altLang="en-US" sz="3200" dirty="0"/>
+              <a:t>に使われている活性化拡散モデル</a:t>
+            </a:r>
             <a:r>
               <a:rPr lang="ja-JP" altLang="en-US" sz="3200" dirty="0"/>
-              <a:t>課題</a:t>
-            </a:r>
+              <a:t>の可視化</a:t>
+            </a:r>
+            <a:endParaRPr lang="en-US" altLang="ja-JP" sz="3200" dirty="0"/>
+          </a:p>
+          <a:p>
+            <a:r>
+              <a:rPr lang="ja-JP" altLang="en-US" sz="3200" dirty="0"/>
+              <a:t>強化学習のラベル付け</a:t>
+            </a:r>
+            <a:endParaRPr lang="en-US" altLang="ja-JP" sz="3200" dirty="0"/>
+          </a:p>
+          <a:p>
+            <a:r>
+              <a:rPr kumimoji="1" lang="ja-JP" altLang="en-US" sz="3200" dirty="0"/>
+              <a:t>知識同士の類似度の</a:t>
+            </a:r>
+            <a:r>
+              <a:rPr lang="ja-JP" altLang="en-US" sz="3200" dirty="0"/>
+              <a:t>計算方法</a:t>
+            </a:r>
+            <a:endParaRPr lang="en-US" altLang="ja-JP" sz="3200" dirty="0"/>
+          </a:p>
+          <a:p>
+            <a:r>
+              <a:rPr kumimoji="1" lang="ja-JP" altLang="en-US" sz="3200" dirty="0"/>
+              <a:t>拡散の理論上計算量の課題</a:t>
+            </a:r>
+            <a:endParaRPr kumimoji="1" lang="en-US" altLang="ja-JP" sz="3200" dirty="0"/>
+          </a:p>
+          <a:p>
+            <a:r>
+              <a:rPr lang="ja-JP" altLang="en-US" sz="3200" dirty="0"/>
+              <a:t>知識選択の精度算出</a:t>
+            </a:r>
+            <a:endParaRPr lang="en-US" altLang="ja-JP" sz="3200" dirty="0"/>
+          </a:p>
+          <a:p>
+            <a:r>
+              <a:rPr kumimoji="1" lang="ja-JP" altLang="en-US" sz="3200" dirty="0"/>
+              <a:t>動的障害物の回避</a:t>
+            </a:r>
+            <a:endParaRPr kumimoji="1" lang="en-US" altLang="ja-JP" sz="3200" dirty="0"/>
+          </a:p>
+          <a:p>
+            <a:r>
+              <a:rPr lang="ja-JP" altLang="en-US" sz="3200" dirty="0"/>
+              <a:t>誤認識率の低下方法</a:t>
+            </a:r>
+            <a:endParaRPr kumimoji="1" lang="en-US" altLang="ja-JP" sz="3200" dirty="0"/>
+          </a:p>
+          <a:p>
             <a:endParaRPr kumimoji="1" lang="ja-JP" altLang="en-US" sz="3200" dirty="0"/>
-          </a:p>
-        </p:txBody>
-      </p:sp>
-      <p:sp>
-        <p:nvSpPr>
-          <p:cNvPr id="3" name="コンテンツ プレースホルダー 2">
-            <a:extLst>
-              <a:ext uri="{FF2B5EF4-FFF2-40B4-BE49-F238E27FC236}">
-                <a16:creationId xmlns:a16="http://schemas.microsoft.com/office/drawing/2014/main" id="{0AD99923-542B-F00D-0663-524E140F5C9C}"/>
-              </a:ext>
-            </a:extLst>
-          </p:cNvPr>
-          <p:cNvSpPr>
-            <a:spLocks noGrp="1"/>
-          </p:cNvSpPr>
-          <p:nvPr>
-            <p:ph idx="1"/>
-          </p:nvPr>
-        </p:nvSpPr>
-        <p:spPr>
-          <a:xfrm>
-            <a:off x="838200" y="975360"/>
-            <a:ext cx="10515600" cy="5201603"/>
-          </a:xfrm>
-        </p:spPr>
-        <p:txBody>
-          <a:bodyPr>
-            <a:normAutofit/>
-          </a:bodyPr>
-          <a:lstStyle/>
-          <a:p>
-            <a:r>
-              <a:rPr lang="ja-JP" altLang="en-US" sz="2000" dirty="0"/>
-              <a:t>既存研究</a:t>
-            </a:r>
-            <a:r>
-              <a:rPr kumimoji="1" lang="ja-JP" altLang="en-US" sz="2000" dirty="0"/>
-              <a:t>は有用だがどう動いているのかが分かっていない</a:t>
-            </a:r>
-            <a:endParaRPr lang="en-US" altLang="ja-JP" sz="2000" dirty="0"/>
-          </a:p>
-          <a:p>
-            <a:endParaRPr kumimoji="1" lang="en-US" altLang="ja-JP" sz="2000" dirty="0"/>
-          </a:p>
-          <a:p>
-            <a:pPr marL="0" indent="0">
-              <a:buNone/>
-            </a:pPr>
-            <a:endParaRPr kumimoji="1" lang="en-US" altLang="ja-JP" sz="2000" dirty="0"/>
-          </a:p>
-          <a:p>
-            <a:endParaRPr lang="en-US" altLang="ja-JP" sz="2000" dirty="0"/>
-          </a:p>
-          <a:p>
-            <a:r>
-              <a:rPr kumimoji="1" lang="en-US" altLang="ja-JP" sz="2000" dirty="0"/>
-              <a:t>SAP-net</a:t>
-            </a:r>
-            <a:r>
-              <a:rPr kumimoji="1" lang="ja-JP" altLang="en-US" sz="2000" dirty="0"/>
-              <a:t>に使われている活性化拡散モデル</a:t>
-            </a:r>
-            <a:endParaRPr kumimoji="1" lang="en-US" altLang="ja-JP" sz="2000" dirty="0"/>
-          </a:p>
-          <a:p>
-            <a:pPr marL="0" indent="0">
-              <a:buNone/>
-            </a:pPr>
-            <a:r>
-              <a:rPr kumimoji="1" lang="ja-JP" altLang="en-US" sz="2000" dirty="0"/>
-              <a:t>　・ネットワーク構造がグラフ理論で定義</a:t>
-            </a:r>
-            <a:endParaRPr kumimoji="1" lang="en-US" altLang="ja-JP" sz="2000" dirty="0"/>
-          </a:p>
-          <a:p>
-            <a:pPr marL="0" indent="0">
-              <a:buNone/>
-            </a:pPr>
-            <a:r>
-              <a:rPr lang="ja-JP" altLang="en-US" sz="2000" dirty="0"/>
-              <a:t>　・既存のグラフ理論の解析手法と親和性が高い</a:t>
-            </a:r>
-            <a:endParaRPr lang="en-US" altLang="ja-JP" sz="2000" dirty="0"/>
-          </a:p>
-          <a:p>
-            <a:endParaRPr kumimoji="1" lang="en-US" altLang="ja-JP" sz="2000" dirty="0"/>
-          </a:p>
-          <a:p>
-            <a:endParaRPr lang="en-US" altLang="ja-JP" sz="2000" dirty="0"/>
-          </a:p>
-          <a:p>
-            <a:endParaRPr kumimoji="1" lang="en-US" altLang="ja-JP" sz="2000" dirty="0"/>
-          </a:p>
-          <a:p>
-            <a:endParaRPr kumimoji="1" lang="ja-JP" altLang="en-US" sz="2000" dirty="0"/>
           </a:p>
         </p:txBody>
       </p:sp>
@@ -5941,7 +7117,7 @@
           <a:p>
             <a:fld id="{1C6C4858-3BA6-4EDA-8B7D-9FB9AB0B31B8}" type="slidenum">
               <a:rPr kumimoji="1" lang="ja-JP" altLang="en-US" smtClean="0"/>
-              <a:t>5</a:t>
+              <a:t>4</a:t>
             </a:fld>
             <a:endParaRPr kumimoji="1" lang="ja-JP" altLang="en-US"/>
           </a:p>
@@ -6043,6 +7219,294 @@
 </p:sld>
 </file>
 
+<file path=ppt/slides/slide5.xml><?xml version="1.0" encoding="utf-8"?>
+<p:sld xmlns:a="http://schemas.openxmlformats.org/drawingml/2006/main" xmlns:r="http://schemas.openxmlformats.org/officeDocument/2006/relationships" xmlns:p="http://schemas.openxmlformats.org/presentationml/2006/main">
+  <p:cSld>
+    <p:spTree>
+      <p:nvGrpSpPr>
+        <p:cNvPr id="1" name=""/>
+        <p:cNvGrpSpPr/>
+        <p:nvPr/>
+      </p:nvGrpSpPr>
+      <p:grpSpPr>
+        <a:xfrm>
+          <a:off x="0" y="0"/>
+          <a:ext cx="0" cy="0"/>
+          <a:chOff x="0" y="0"/>
+          <a:chExt cx="0" cy="0"/>
+        </a:xfrm>
+      </p:grpSpPr>
+      <p:sp>
+        <p:nvSpPr>
+          <p:cNvPr id="2" name="タイトル 1">
+            <a:extLst>
+              <a:ext uri="{FF2B5EF4-FFF2-40B4-BE49-F238E27FC236}">
+                <a16:creationId xmlns:a16="http://schemas.microsoft.com/office/drawing/2014/main" id="{CE78A1FB-196D-9B73-630A-1466A45C8CA8}"/>
+              </a:ext>
+            </a:extLst>
+          </p:cNvPr>
+          <p:cNvSpPr>
+            <a:spLocks noGrp="1"/>
+          </p:cNvSpPr>
+          <p:nvPr>
+            <p:ph type="title"/>
+          </p:nvPr>
+        </p:nvSpPr>
+        <p:spPr>
+          <a:xfrm>
+            <a:off x="838200" y="365125"/>
+            <a:ext cx="10515600" cy="610235"/>
+          </a:xfrm>
+        </p:spPr>
+        <p:txBody>
+          <a:bodyPr>
+            <a:normAutofit/>
+          </a:bodyPr>
+          <a:lstStyle/>
+          <a:p>
+            <a:r>
+              <a:rPr lang="ja-JP" altLang="en-US" sz="3200" dirty="0"/>
+              <a:t>提案手法</a:t>
+            </a:r>
+            <a:endParaRPr kumimoji="1" lang="ja-JP" altLang="en-US" sz="3200" dirty="0"/>
+          </a:p>
+        </p:txBody>
+      </p:sp>
+      <p:sp>
+        <p:nvSpPr>
+          <p:cNvPr id="3" name="コンテンツ プレースホルダー 2">
+            <a:extLst>
+              <a:ext uri="{FF2B5EF4-FFF2-40B4-BE49-F238E27FC236}">
+                <a16:creationId xmlns:a16="http://schemas.microsoft.com/office/drawing/2014/main" id="{0AD99923-542B-F00D-0663-524E140F5C9C}"/>
+              </a:ext>
+            </a:extLst>
+          </p:cNvPr>
+          <p:cNvSpPr>
+            <a:spLocks noGrp="1"/>
+          </p:cNvSpPr>
+          <p:nvPr>
+            <p:ph idx="1"/>
+          </p:nvPr>
+        </p:nvSpPr>
+        <p:spPr>
+          <a:xfrm>
+            <a:off x="838200" y="975360"/>
+            <a:ext cx="10515600" cy="5201603"/>
+          </a:xfrm>
+        </p:spPr>
+        <p:txBody>
+          <a:bodyPr>
+            <a:normAutofit fontScale="92500" lnSpcReduction="10000"/>
+          </a:bodyPr>
+          <a:lstStyle/>
+          <a:p>
+            <a:pPr marL="0" indent="0">
+              <a:buNone/>
+            </a:pPr>
+            <a:endParaRPr kumimoji="1" lang="en-US" altLang="ja-JP" dirty="0"/>
+          </a:p>
+          <a:p>
+            <a:pPr marL="0" indent="0">
+              <a:buNone/>
+            </a:pPr>
+            <a:r>
+              <a:rPr kumimoji="1" lang="ja-JP" altLang="en-US" dirty="0"/>
+              <a:t>仮想的に文字列ネットワークを用いて</a:t>
+            </a:r>
+            <a:r>
+              <a:rPr kumimoji="1" lang="en-US" altLang="ja-JP" dirty="0"/>
+              <a:t>SAP-Net</a:t>
+            </a:r>
+            <a:r>
+              <a:rPr kumimoji="1" lang="ja-JP" altLang="en-US" dirty="0"/>
+              <a:t>を再現</a:t>
+            </a:r>
+            <a:endParaRPr kumimoji="1" lang="en-US" altLang="ja-JP" dirty="0"/>
+          </a:p>
+          <a:p>
+            <a:r>
+              <a:rPr lang="ja-JP" altLang="en-US" dirty="0"/>
+              <a:t>文字列をすべてベクトルに変換する</a:t>
+            </a:r>
+            <a:endParaRPr lang="en-US" altLang="ja-JP" dirty="0"/>
+          </a:p>
+          <a:p>
+            <a:r>
+              <a:rPr lang="ja-JP" altLang="en-US" dirty="0"/>
+              <a:t>それらの文字列のベクトルにおいて全網羅の類似度を計算</a:t>
+            </a:r>
+            <a:endParaRPr lang="en-US" altLang="ja-JP" dirty="0"/>
+          </a:p>
+          <a:p>
+            <a:r>
+              <a:rPr lang="ja-JP" altLang="en-US" dirty="0"/>
+              <a:t>計算値を二次元配列上に保持</a:t>
+            </a:r>
+            <a:endParaRPr lang="en-US" altLang="ja-JP" dirty="0"/>
+          </a:p>
+          <a:p>
+            <a:r>
+              <a:rPr lang="ja-JP" altLang="en-US" dirty="0"/>
+              <a:t>二次元配列上の値を活性値とし、正規化</a:t>
+            </a:r>
+            <a:endParaRPr lang="en-US" altLang="ja-JP" dirty="0"/>
+          </a:p>
+          <a:p>
+            <a:r>
+              <a:rPr lang="ja-JP" altLang="en-US" dirty="0"/>
+              <a:t>入力文字列に対して活性値を現状値に加算し活性化（順次）</a:t>
+            </a:r>
+            <a:endParaRPr lang="en-US" altLang="ja-JP" dirty="0"/>
+          </a:p>
+          <a:p>
+            <a:r>
+              <a:rPr lang="ja-JP" altLang="en-US" dirty="0"/>
+              <a:t>活性値１を超えた時その知識を活性値とする</a:t>
+            </a:r>
+            <a:endParaRPr lang="en-US" altLang="ja-JP" dirty="0"/>
+          </a:p>
+          <a:p>
+            <a:r>
+              <a:rPr lang="ja-JP" altLang="en-US" dirty="0"/>
+              <a:t>複数回の入力を想定し、忘却機能を実装</a:t>
+            </a:r>
+            <a:endParaRPr lang="en-US" altLang="ja-JP" dirty="0"/>
+          </a:p>
+          <a:p>
+            <a:r>
+              <a:rPr lang="ja-JP" altLang="en-US" dirty="0"/>
+              <a:t>各活性化の末尾に忘却関数を呼び出し、活性値の減少を行う</a:t>
+            </a:r>
+            <a:endParaRPr lang="en-US" altLang="ja-JP" dirty="0"/>
+          </a:p>
+          <a:p>
+            <a:pPr marL="0" indent="0">
+              <a:buNone/>
+            </a:pPr>
+            <a:r>
+              <a:rPr lang="ja-JP" altLang="en-US" dirty="0"/>
+              <a:t>仮想的に再現した</a:t>
+            </a:r>
+            <a:r>
+              <a:rPr lang="en-US" altLang="ja-JP" dirty="0"/>
+              <a:t>SAP-Net</a:t>
+            </a:r>
+            <a:r>
+              <a:rPr lang="ja-JP" altLang="en-US" dirty="0"/>
+              <a:t>を選択型転移強化学習の礎とし開発</a:t>
+            </a:r>
+            <a:endParaRPr lang="en-US" altLang="ja-JP" dirty="0"/>
+          </a:p>
+          <a:p>
+            <a:endParaRPr lang="en-US" altLang="ja-JP" dirty="0"/>
+          </a:p>
+        </p:txBody>
+      </p:sp>
+      <p:sp>
+        <p:nvSpPr>
+          <p:cNvPr id="4" name="日付プレースホルダー 3">
+            <a:extLst>
+              <a:ext uri="{FF2B5EF4-FFF2-40B4-BE49-F238E27FC236}">
+                <a16:creationId xmlns:a16="http://schemas.microsoft.com/office/drawing/2014/main" id="{F6D5FE3B-2300-55C6-F94E-F088F7703265}"/>
+              </a:ext>
+            </a:extLst>
+          </p:cNvPr>
+          <p:cNvSpPr>
+            <a:spLocks noGrp="1"/>
+          </p:cNvSpPr>
+          <p:nvPr>
+            <p:ph type="dt" sz="half" idx="10"/>
+          </p:nvPr>
+        </p:nvSpPr>
+        <p:spPr/>
+        <p:txBody>
+          <a:bodyPr/>
+          <a:lstStyle/>
+          <a:p>
+            <a:r>
+              <a:rPr kumimoji="1" lang="en-US" altLang="ja-JP"/>
+              <a:t>2023/6/12</a:t>
+            </a:r>
+            <a:endParaRPr kumimoji="1" lang="ja-JP" altLang="en-US"/>
+          </a:p>
+        </p:txBody>
+      </p:sp>
+      <p:sp>
+        <p:nvSpPr>
+          <p:cNvPr id="5" name="フッター プレースホルダー 4">
+            <a:extLst>
+              <a:ext uri="{FF2B5EF4-FFF2-40B4-BE49-F238E27FC236}">
+                <a16:creationId xmlns:a16="http://schemas.microsoft.com/office/drawing/2014/main" id="{5393419A-66C5-E49C-E623-5866BACF1610}"/>
+              </a:ext>
+            </a:extLst>
+          </p:cNvPr>
+          <p:cNvSpPr>
+            <a:spLocks noGrp="1"/>
+          </p:cNvSpPr>
+          <p:nvPr>
+            <p:ph type="ftr" sz="quarter" idx="11"/>
+          </p:nvPr>
+        </p:nvSpPr>
+        <p:spPr>
+          <a:xfrm>
+            <a:off x="3169920" y="6278881"/>
+            <a:ext cx="5852160" cy="520064"/>
+          </a:xfrm>
+        </p:spPr>
+        <p:txBody>
+          <a:bodyPr/>
+          <a:lstStyle/>
+          <a:p>
+            <a:r>
+              <a:rPr kumimoji="1" lang="en-US" altLang="ja-JP"/>
+              <a:t>Copyright (c) Sora Takaya, Tokyo Denki University, All rights reserved 2023</a:t>
+            </a:r>
+            <a:endParaRPr kumimoji="1" lang="ja-JP" altLang="en-US" dirty="0"/>
+          </a:p>
+        </p:txBody>
+      </p:sp>
+      <p:sp>
+        <p:nvSpPr>
+          <p:cNvPr id="6" name="スライド番号プレースホルダー 5">
+            <a:extLst>
+              <a:ext uri="{FF2B5EF4-FFF2-40B4-BE49-F238E27FC236}">
+                <a16:creationId xmlns:a16="http://schemas.microsoft.com/office/drawing/2014/main" id="{3AA80BAA-EFEB-8CCA-D035-56D93B9EB24F}"/>
+              </a:ext>
+            </a:extLst>
+          </p:cNvPr>
+          <p:cNvSpPr>
+            <a:spLocks noGrp="1"/>
+          </p:cNvSpPr>
+          <p:nvPr>
+            <p:ph type="sldNum" sz="quarter" idx="12"/>
+          </p:nvPr>
+        </p:nvSpPr>
+        <p:spPr/>
+        <p:txBody>
+          <a:bodyPr/>
+          <a:lstStyle/>
+          <a:p>
+            <a:fld id="{1C6C4858-3BA6-4EDA-8B7D-9FB9AB0B31B8}" type="slidenum">
+              <a:rPr kumimoji="1" lang="ja-JP" altLang="en-US" smtClean="0"/>
+              <a:t>5</a:t>
+            </a:fld>
+            <a:endParaRPr kumimoji="1" lang="ja-JP" altLang="en-US"/>
+          </a:p>
+        </p:txBody>
+      </p:sp>
+    </p:spTree>
+    <p:extLst>
+      <p:ext uri="{BB962C8B-B14F-4D97-AF65-F5344CB8AC3E}">
+        <p14:creationId xmlns:p14="http://schemas.microsoft.com/office/powerpoint/2010/main" val="2241833419"/>
+      </p:ext>
+    </p:extLst>
+  </p:cSld>
+  <p:clrMapOvr>
+    <a:masterClrMapping/>
+  </p:clrMapOvr>
+</p:sld>
+</file>
+
 <file path=ppt/slides/slide6.xml><?xml version="1.0" encoding="utf-8"?>
 <p:sld xmlns:a="http://schemas.openxmlformats.org/drawingml/2006/main" xmlns:r="http://schemas.openxmlformats.org/officeDocument/2006/relationships" xmlns:p="http://schemas.openxmlformats.org/presentationml/2006/main">
   <p:cSld>
@@ -6090,7 +7554,7 @@
           <a:p>
             <a:r>
               <a:rPr lang="ja-JP" altLang="en-US" sz="3200" dirty="0"/>
-              <a:t>提案手法</a:t>
+              <a:t>実験条件</a:t>
             </a:r>
             <a:endParaRPr kumimoji="1" lang="ja-JP" altLang="en-US" sz="3200" dirty="0"/>
           </a:p>
@@ -6125,52 +7589,147 @@
           <a:lstStyle/>
           <a:p>
             <a:r>
-              <a:rPr kumimoji="1" lang="ja-JP" altLang="en-US" sz="2000" dirty="0"/>
-              <a:t>まだ具体的な解析手法は決まっていない</a:t>
-            </a:r>
-            <a:endParaRPr kumimoji="1" lang="en-US" altLang="ja-JP" sz="2000" dirty="0"/>
-          </a:p>
-          <a:p>
-            <a:endParaRPr lang="en-US" altLang="ja-JP" sz="2000" dirty="0"/>
-          </a:p>
-          <a:p>
-            <a:endParaRPr kumimoji="1" lang="en-US" altLang="ja-JP" sz="2000" dirty="0"/>
-          </a:p>
-          <a:p>
-            <a:r>
-              <a:rPr lang="en-US" altLang="ja-JP" sz="2000" dirty="0"/>
-              <a:t>SAP-net</a:t>
-            </a:r>
-            <a:r>
-              <a:rPr lang="ja-JP" altLang="en-US" sz="2000" dirty="0"/>
-              <a:t>動かすために計算機クラスタを構築した</a:t>
-            </a:r>
-            <a:endParaRPr lang="en-US" altLang="ja-JP" sz="2000" dirty="0"/>
-          </a:p>
-          <a:p>
-            <a:endParaRPr lang="en-US" altLang="ja-JP" sz="2000" dirty="0"/>
-          </a:p>
-          <a:p>
-            <a:endParaRPr lang="en-US" altLang="ja-JP" sz="2000" dirty="0"/>
-          </a:p>
-          <a:p>
-            <a:r>
-              <a:rPr lang="ja-JP" altLang="en-US" sz="2000" dirty="0"/>
-              <a:t>今回は計算機クラスタで行った実験に関して進捗報告を行う</a:t>
-            </a:r>
-            <a:endParaRPr lang="en-US" altLang="ja-JP" sz="2000" dirty="0"/>
-          </a:p>
-          <a:p>
-            <a:endParaRPr kumimoji="1" lang="en-US" altLang="ja-JP" sz="2000" dirty="0"/>
-          </a:p>
-          <a:p>
-            <a:endParaRPr lang="en-US" altLang="ja-JP" sz="2000" dirty="0"/>
-          </a:p>
-          <a:p>
-            <a:endParaRPr kumimoji="1" lang="en-US" altLang="ja-JP" sz="2000" dirty="0"/>
-          </a:p>
-          <a:p>
-            <a:endParaRPr kumimoji="1" lang="ja-JP" altLang="en-US" sz="2000" dirty="0"/>
+              <a:rPr kumimoji="1" lang="en-US" altLang="ja-JP" sz="2400" dirty="0"/>
+              <a:t>Python</a:t>
+            </a:r>
+            <a:r>
+              <a:rPr lang="ja-JP" altLang="en-US" sz="2400" dirty="0"/>
+              <a:t> </a:t>
+            </a:r>
+            <a:r>
+              <a:rPr kumimoji="1" lang="en-US" altLang="ja-JP" sz="2400" dirty="0"/>
+              <a:t>3.7.9</a:t>
+            </a:r>
+          </a:p>
+          <a:p>
+            <a:pPr lvl="1"/>
+            <a:r>
+              <a:rPr kumimoji="1" lang="en-US" altLang="ja-JP" sz="1800" dirty="0" err="1"/>
+              <a:t>ipykernel</a:t>
+            </a:r>
+            <a:r>
+              <a:rPr kumimoji="1" lang="en-US" altLang="ja-JP" sz="1800" dirty="0"/>
+              <a:t>            6.16.2</a:t>
+            </a:r>
+            <a:endParaRPr lang="en-US" altLang="ja-JP" sz="1800" dirty="0"/>
+          </a:p>
+          <a:p>
+            <a:pPr lvl="1"/>
+            <a:r>
+              <a:rPr kumimoji="1" lang="en-US" altLang="ja-JP" sz="1800" dirty="0" err="1"/>
+              <a:t>jupyter</a:t>
+            </a:r>
+            <a:r>
+              <a:rPr kumimoji="1" lang="en-US" altLang="ja-JP" sz="1800" dirty="0"/>
+              <a:t>              1.0.0</a:t>
+            </a:r>
+          </a:p>
+          <a:p>
+            <a:pPr lvl="1"/>
+            <a:r>
+              <a:rPr kumimoji="1" lang="en-US" altLang="ja-JP" sz="1800" dirty="0"/>
+              <a:t>matplotlib           3.5.3</a:t>
+            </a:r>
+            <a:endParaRPr lang="en-US" altLang="ja-JP" sz="1800" dirty="0"/>
+          </a:p>
+          <a:p>
+            <a:pPr lvl="1"/>
+            <a:r>
+              <a:rPr kumimoji="1" lang="en-US" altLang="ja-JP" sz="1800" dirty="0" err="1"/>
+              <a:t>numpy</a:t>
+            </a:r>
+            <a:r>
+              <a:rPr kumimoji="1" lang="en-US" altLang="ja-JP" sz="1800" dirty="0"/>
+              <a:t>                1.21.6</a:t>
+            </a:r>
+          </a:p>
+          <a:p>
+            <a:pPr lvl="1"/>
+            <a:r>
+              <a:rPr kumimoji="1" lang="en-US" altLang="ja-JP" sz="1800" dirty="0" err="1"/>
+              <a:t>openpyxl</a:t>
+            </a:r>
+            <a:r>
+              <a:rPr kumimoji="1" lang="en-US" altLang="ja-JP" sz="1800" dirty="0"/>
+              <a:t>             3.1.2</a:t>
+            </a:r>
+            <a:endParaRPr lang="en-US" altLang="ja-JP" sz="1800" dirty="0"/>
+          </a:p>
+          <a:p>
+            <a:pPr lvl="1"/>
+            <a:r>
+              <a:rPr kumimoji="1" lang="en-US" altLang="ja-JP" sz="1800" dirty="0"/>
+              <a:t>PyQt5                5.15.9</a:t>
+            </a:r>
+          </a:p>
+          <a:p>
+            <a:pPr lvl="1"/>
+            <a:r>
+              <a:rPr kumimoji="1" lang="en-US" altLang="ja-JP" sz="1800" dirty="0"/>
+              <a:t>scikit-learn         1.0.2</a:t>
+            </a:r>
+          </a:p>
+          <a:p>
+            <a:pPr lvl="1"/>
+            <a:r>
+              <a:rPr kumimoji="1" lang="en-US" altLang="ja-JP" sz="1800" dirty="0" err="1"/>
+              <a:t>scipy</a:t>
+            </a:r>
+            <a:r>
+              <a:rPr kumimoji="1" lang="en-US" altLang="ja-JP" sz="1800" dirty="0"/>
+              <a:t>                1.7.3</a:t>
+            </a:r>
+            <a:endParaRPr lang="en-US" altLang="ja-JP" sz="1800" dirty="0"/>
+          </a:p>
+          <a:p>
+            <a:pPr lvl="1"/>
+            <a:endParaRPr kumimoji="1" lang="en-US" altLang="ja-JP" sz="1800" dirty="0"/>
+          </a:p>
+          <a:p>
+            <a:r>
+              <a:rPr kumimoji="1" lang="ja-JP" altLang="en-US" sz="2400" dirty="0"/>
+              <a:t>使用できる強化学習の知識がない為、文字列を知識の付属タグとみなす</a:t>
+            </a:r>
+            <a:endParaRPr kumimoji="1" lang="en-US" altLang="ja-JP" sz="2400" dirty="0"/>
+          </a:p>
+          <a:p>
+            <a:pPr lvl="1"/>
+            <a:r>
+              <a:rPr kumimoji="1" lang="ja-JP" altLang="en-US" sz="1800" dirty="0"/>
+              <a:t>文字列類似度を計算するネットワーク規模は</a:t>
+            </a:r>
+            <a:r>
+              <a:rPr kumimoji="1" lang="en-US" altLang="ja-JP" sz="1800" dirty="0"/>
+              <a:t>293753</a:t>
+            </a:r>
+          </a:p>
+          <a:p>
+            <a:pPr lvl="1"/>
+            <a:r>
+              <a:rPr kumimoji="1" lang="en-US" altLang="ja-JP" sz="1800" dirty="0"/>
+              <a:t>Wikipedia</a:t>
+            </a:r>
+            <a:r>
+              <a:rPr kumimoji="1" lang="ja-JP" altLang="en-US" sz="1800" dirty="0"/>
+              <a:t>をクローリングし、文字列をクローリング収集し学習したモデルを使用</a:t>
+            </a:r>
+            <a:endParaRPr kumimoji="1" lang="en-US" altLang="ja-JP" sz="1800" dirty="0"/>
+          </a:p>
+          <a:p>
+            <a:pPr lvl="1"/>
+            <a:r>
+              <a:rPr lang="ja-JP" altLang="en-US" sz="1800" dirty="0"/>
+              <a:t>モデル名：</a:t>
+            </a:r>
+            <a:r>
+              <a:rPr lang="en-US" altLang="ja-JP" sz="1800" dirty="0"/>
+              <a:t>Sorapedia</a:t>
+            </a:r>
+            <a:r>
+              <a:rPr lang="en-US" altLang="ja-JP" sz="1400" dirty="0"/>
+              <a:t>【Word2Vec(Google)】</a:t>
+            </a:r>
+            <a:endParaRPr kumimoji="1" lang="en-US" altLang="ja-JP" sz="1800" dirty="0"/>
           </a:p>
         </p:txBody>
       </p:sp>
@@ -6221,8 +7780,8 @@
         </p:nvSpPr>
         <p:spPr>
           <a:xfrm>
-            <a:off x="3169920" y="6278881"/>
-            <a:ext cx="5852160" cy="520064"/>
+            <a:off x="3098800" y="6356351"/>
+            <a:ext cx="5994400" cy="365124"/>
           </a:xfrm>
         </p:spPr>
         <p:txBody>
@@ -6233,7 +7792,7 @@
               <a:rPr kumimoji="1" lang="en-US" altLang="ja-JP"/>
               <a:t>Copyright (c) Sora Takaya, Tokyo Denki University, All rights reserved 2023</a:t>
             </a:r>
-            <a:endParaRPr kumimoji="1" lang="ja-JP" altLang="en-US" dirty="0"/>
+            <a:endParaRPr kumimoji="1" lang="ja-JP" altLang="en-US"/>
           </a:p>
         </p:txBody>
       </p:sp>
@@ -6269,7 +7828,7 @@
     </p:spTree>
     <p:extLst>
       <p:ext uri="{BB962C8B-B14F-4D97-AF65-F5344CB8AC3E}">
-        <p14:creationId xmlns:p14="http://schemas.microsoft.com/office/powerpoint/2010/main" val="2241833419"/>
+        <p14:creationId xmlns:p14="http://schemas.microsoft.com/office/powerpoint/2010/main" val="3090091884"/>
       </p:ext>
     </p:extLst>
   </p:cSld>
@@ -6298,6 +7857,50 @@
       </p:grpSpPr>
       <p:sp>
         <p:nvSpPr>
+          <p:cNvPr id="9" name="正方形/長方形 8">
+            <a:extLst>
+              <a:ext uri="{FF2B5EF4-FFF2-40B4-BE49-F238E27FC236}">
+                <a16:creationId xmlns:a16="http://schemas.microsoft.com/office/drawing/2014/main" id="{7A4FC512-B538-A3E4-5AFD-F143FE3DDB07}"/>
+              </a:ext>
+            </a:extLst>
+          </p:cNvPr>
+          <p:cNvSpPr/>
+          <p:nvPr/>
+        </p:nvSpPr>
+        <p:spPr>
+          <a:xfrm>
+            <a:off x="838200" y="1371600"/>
+            <a:ext cx="7681332" cy="1115122"/>
+          </a:xfrm>
+          <a:prstGeom prst="rect">
+            <a:avLst/>
+          </a:prstGeom>
+        </p:spPr>
+        <p:style>
+          <a:lnRef idx="1">
+            <a:schemeClr val="accent5"/>
+          </a:lnRef>
+          <a:fillRef idx="2">
+            <a:schemeClr val="accent5"/>
+          </a:fillRef>
+          <a:effectRef idx="1">
+            <a:schemeClr val="accent5"/>
+          </a:effectRef>
+          <a:fontRef idx="minor">
+            <a:schemeClr val="dk1"/>
+          </a:fontRef>
+        </p:style>
+        <p:txBody>
+          <a:bodyPr rtlCol="0" anchor="ctr"/>
+          <a:lstStyle/>
+          <a:p>
+            <a:pPr algn="ctr"/>
+            <a:endParaRPr kumimoji="1" lang="ja-JP" altLang="en-US"/>
+          </a:p>
+        </p:txBody>
+      </p:sp>
+      <p:sp>
+        <p:nvSpPr>
           <p:cNvPr id="2" name="タイトル 1">
             <a:extLst>
               <a:ext uri="{FF2B5EF4-FFF2-40B4-BE49-F238E27FC236}">
@@ -6325,10 +7928,9 @@
           <a:lstStyle/>
           <a:p>
             <a:r>
-              <a:rPr lang="ja-JP" altLang="en-US" sz="3200" dirty="0"/>
-              <a:t>実験条件</a:t>
-            </a:r>
-            <a:endParaRPr kumimoji="1" lang="ja-JP" altLang="en-US" sz="3200" dirty="0"/>
+              <a:rPr kumimoji="1" lang="ja-JP" altLang="en-US" sz="3200" dirty="0"/>
+              <a:t>実験</a:t>
+            </a:r>
           </a:p>
         </p:txBody>
       </p:sp>
@@ -6360,86 +7962,78 @@
           </a:bodyPr>
           <a:lstStyle/>
           <a:p>
+            <a:pPr marL="0" indent="0">
+              <a:buNone/>
+            </a:pPr>
+            <a:r>
+              <a:rPr kumimoji="1" lang="ja-JP" altLang="en-US" sz="2000" dirty="0"/>
+              <a:t>仮想的に文字列ネットワークを用いて</a:t>
+            </a:r>
             <a:r>
               <a:rPr kumimoji="1" lang="en-US" altLang="ja-JP" sz="2000" dirty="0"/>
-              <a:t>Raspberry</a:t>
+              <a:t>SAP-Net</a:t>
             </a:r>
             <a:r>
               <a:rPr kumimoji="1" lang="ja-JP" altLang="en-US" sz="2000" dirty="0"/>
-              <a:t> </a:t>
-            </a:r>
-            <a:r>
-              <a:rPr kumimoji="1" lang="en-US" altLang="ja-JP" sz="2000" dirty="0"/>
-              <a:t>Pi</a:t>
-            </a:r>
-            <a:r>
-              <a:rPr kumimoji="1" lang="ja-JP" altLang="en-US" sz="2000" dirty="0"/>
-              <a:t> </a:t>
-            </a:r>
-            <a:r>
-              <a:rPr kumimoji="1" lang="en-US" altLang="ja-JP" sz="2000" dirty="0"/>
-              <a:t>3</a:t>
-            </a:r>
-            <a:r>
-              <a:rPr kumimoji="1" lang="ja-JP" altLang="en-US" sz="2000" dirty="0"/>
-              <a:t> </a:t>
-            </a:r>
-            <a:r>
-              <a:rPr kumimoji="1" lang="en-US" altLang="ja-JP" sz="2000" dirty="0"/>
-              <a:t>Model</a:t>
-            </a:r>
-            <a:r>
-              <a:rPr kumimoji="1" lang="ja-JP" altLang="en-US" sz="2000" dirty="0"/>
-              <a:t> </a:t>
-            </a:r>
-            <a:r>
-              <a:rPr kumimoji="1" lang="en-US" altLang="ja-JP" sz="2000" dirty="0"/>
-              <a:t>B+ </a:t>
-            </a:r>
-            <a:r>
-              <a:rPr kumimoji="1" lang="ja-JP" altLang="en-US" sz="2000" dirty="0"/>
-              <a:t>を</a:t>
-            </a:r>
-            <a:r>
-              <a:rPr kumimoji="1" lang="en-US" altLang="ja-JP" sz="2000" dirty="0"/>
-              <a:t>4</a:t>
-            </a:r>
-            <a:r>
-              <a:rPr kumimoji="1" lang="ja-JP" altLang="en-US" sz="2000" dirty="0"/>
-              <a:t>台</a:t>
+              <a:t>を再現</a:t>
             </a:r>
             <a:endParaRPr kumimoji="1" lang="en-US" altLang="ja-JP" sz="2000" dirty="0"/>
           </a:p>
           <a:p>
             <a:r>
               <a:rPr lang="ja-JP" altLang="en-US" sz="2000" dirty="0"/>
-              <a:t>最上段を</a:t>
-            </a:r>
-            <a:r>
-              <a:rPr lang="en-US" altLang="ja-JP" sz="2000" dirty="0"/>
-              <a:t>master</a:t>
-            </a:r>
+              <a:t>文字列をすべてベクトルに変換する</a:t>
+            </a:r>
+            <a:endParaRPr lang="en-US" altLang="ja-JP" sz="2000" dirty="0"/>
+          </a:p>
+          <a:p>
             <a:r>
               <a:rPr lang="ja-JP" altLang="en-US" sz="2000" dirty="0"/>
-              <a:t>、他</a:t>
-            </a:r>
-            <a:r>
-              <a:rPr lang="en-US" altLang="ja-JP" sz="2000" dirty="0"/>
-              <a:t>3</a:t>
-            </a:r>
+              <a:t>それらの文字列のベクトルにおいて全網羅の類似度を計算</a:t>
+            </a:r>
+            <a:endParaRPr lang="en-US" altLang="ja-JP" sz="2000" dirty="0"/>
+          </a:p>
+          <a:p>
             <a:r>
               <a:rPr lang="ja-JP" altLang="en-US" sz="2000" dirty="0"/>
-              <a:t>段を</a:t>
-            </a:r>
-            <a:r>
-              <a:rPr lang="en-US" altLang="ja-JP" sz="2000" dirty="0"/>
-              <a:t>cluster</a:t>
-            </a:r>
+              <a:t>計算値を二次元配列上に保持</a:t>
+            </a:r>
+            <a:endParaRPr lang="en-US" altLang="ja-JP" sz="2000" dirty="0"/>
+          </a:p>
+          <a:p>
             <a:r>
               <a:rPr lang="ja-JP" altLang="en-US" sz="2000" dirty="0"/>
-              <a:t>とする</a:t>
-            </a:r>
-            <a:endParaRPr kumimoji="1" lang="ja-JP" altLang="en-US" sz="2000" dirty="0"/>
+              <a:t>二次元配列上の値を活性値とし、正規化</a:t>
+            </a:r>
+            <a:endParaRPr lang="en-US" altLang="ja-JP" sz="2000" dirty="0"/>
+          </a:p>
+          <a:p>
+            <a:r>
+              <a:rPr lang="ja-JP" altLang="en-US" sz="2000" dirty="0"/>
+              <a:t>入力文字列に対して活性値を現状値に加算し活性化（順次）</a:t>
+            </a:r>
+            <a:endParaRPr lang="en-US" altLang="ja-JP" sz="2000" dirty="0"/>
+          </a:p>
+          <a:p>
+            <a:r>
+              <a:rPr lang="ja-JP" altLang="en-US" sz="2000" dirty="0"/>
+              <a:t>活性値１を超えた時その知識を活性値とする</a:t>
+            </a:r>
+            <a:endParaRPr lang="en-US" altLang="ja-JP" sz="2000" dirty="0"/>
+          </a:p>
+          <a:p>
+            <a:r>
+              <a:rPr lang="ja-JP" altLang="en-US" sz="2000" dirty="0"/>
+              <a:t>複数回の入力を想定し、忘却機能を実装</a:t>
+            </a:r>
+            <a:endParaRPr lang="en-US" altLang="ja-JP" sz="2000" dirty="0"/>
+          </a:p>
+          <a:p>
+            <a:r>
+              <a:rPr lang="ja-JP" altLang="en-US" sz="2000" dirty="0"/>
+              <a:t>各活性化の末尾に忘却関数を呼び出し、活性値の減少を行う</a:t>
+            </a:r>
+            <a:endParaRPr lang="en-US" altLang="ja-JP" sz="2000" dirty="0"/>
           </a:p>
         </p:txBody>
       </p:sp>
@@ -6490,8 +8084,8 @@
         </p:nvSpPr>
         <p:spPr>
           <a:xfrm>
-            <a:off x="3098800" y="6356351"/>
-            <a:ext cx="5994400" cy="365124"/>
+            <a:off x="2956560" y="6356351"/>
+            <a:ext cx="6278880" cy="365124"/>
           </a:xfrm>
         </p:spPr>
         <p:txBody>
@@ -6535,88 +8129,102 @@
           </a:p>
         </p:txBody>
       </p:sp>
-      <p:pic>
-        <p:nvPicPr>
-          <p:cNvPr id="8" name="図 7" descr="屋内, 座る, ラック, テーブル が含まれている画像&#10;&#10;自動的に生成された説明">
-            <a:extLst>
-              <a:ext uri="{FF2B5EF4-FFF2-40B4-BE49-F238E27FC236}">
-                <a16:creationId xmlns:a16="http://schemas.microsoft.com/office/drawing/2014/main" id="{40D14280-24FA-1084-FD91-F8FE638C430C}"/>
-              </a:ext>
-            </a:extLst>
-          </p:cNvPr>
-          <p:cNvPicPr>
-            <a:picLocks noChangeAspect="1"/>
-          </p:cNvPicPr>
-          <p:nvPr/>
-        </p:nvPicPr>
-        <p:blipFill>
-          <a:blip r:embed="rId2">
-            <a:extLst>
-              <a:ext uri="{28A0092B-C50C-407E-A947-70E740481C1C}">
-                <a14:useLocalDpi xmlns:a14="http://schemas.microsoft.com/office/drawing/2010/main" val="0"/>
-              </a:ext>
-            </a:extLst>
-          </a:blip>
-          <a:stretch>
-            <a:fillRect/>
-          </a:stretch>
-        </p:blipFill>
-        <p:spPr>
-          <a:xfrm>
-            <a:off x="6521639" y="1910081"/>
-            <a:ext cx="4161527" cy="4266881"/>
-          </a:xfrm>
-          <a:prstGeom prst="rect">
-            <a:avLst/>
-          </a:prstGeom>
-        </p:spPr>
-      </p:pic>
-      <p:pic>
-        <p:nvPicPr>
-          <p:cNvPr id="10" name="図 9" descr="ダイアグラム&#10;&#10;低い精度で自動的に生成された説明">
-            <a:extLst>
-              <a:ext uri="{FF2B5EF4-FFF2-40B4-BE49-F238E27FC236}">
-                <a16:creationId xmlns:a16="http://schemas.microsoft.com/office/drawing/2014/main" id="{7F4934CC-7B3F-A83C-FAC5-3F4E7200DBC1}"/>
-              </a:ext>
-            </a:extLst>
-          </p:cNvPr>
-          <p:cNvPicPr>
-            <a:picLocks noChangeAspect="1"/>
-          </p:cNvPicPr>
-          <p:nvPr/>
-        </p:nvPicPr>
-        <p:blipFill>
-          <a:blip r:embed="rId3">
-            <a:extLst>
-              <a:ext uri="{28A0092B-C50C-407E-A947-70E740481C1C}">
-                <a14:useLocalDpi xmlns:a14="http://schemas.microsoft.com/office/drawing/2010/main" val="0"/>
-              </a:ext>
-            </a:extLst>
-          </a:blip>
-          <a:stretch>
-            <a:fillRect/>
-          </a:stretch>
-        </p:blipFill>
-        <p:spPr>
-          <a:xfrm>
-            <a:off x="1217033" y="1910081"/>
-            <a:ext cx="3903607" cy="4266882"/>
-          </a:xfrm>
-          <a:prstGeom prst="rect">
-            <a:avLst/>
-          </a:prstGeom>
-        </p:spPr>
-      </p:pic>
     </p:spTree>
     <p:extLst>
       <p:ext uri="{BB962C8B-B14F-4D97-AF65-F5344CB8AC3E}">
-        <p14:creationId xmlns:p14="http://schemas.microsoft.com/office/powerpoint/2010/main" val="3090091884"/>
+        <p14:creationId xmlns:p14="http://schemas.microsoft.com/office/powerpoint/2010/main" val="2099665259"/>
       </p:ext>
     </p:extLst>
   </p:cSld>
   <p:clrMapOvr>
     <a:masterClrMapping/>
   </p:clrMapOvr>
+  <p:timing>
+    <p:tnLst>
+      <p:par>
+        <p:cTn id="1" dur="indefinite" restart="never" nodeType="tmRoot">
+          <p:childTnLst>
+            <p:seq concurrent="1" nextAc="seek">
+              <p:cTn id="2" dur="indefinite" nodeType="mainSeq">
+                <p:childTnLst>
+                  <p:par>
+                    <p:cTn id="3" fill="hold">
+                      <p:stCondLst>
+                        <p:cond delay="indefinite"/>
+                      </p:stCondLst>
+                      <p:childTnLst>
+                        <p:par>
+                          <p:cTn id="4" fill="hold">
+                            <p:stCondLst>
+                              <p:cond delay="0"/>
+                            </p:stCondLst>
+                            <p:childTnLst>
+                              <p:par>
+                                <p:cTn id="5" presetID="10" presetClass="entr" presetSubtype="0" fill="hold" grpId="0" nodeType="clickEffect">
+                                  <p:stCondLst>
+                                    <p:cond delay="0"/>
+                                  </p:stCondLst>
+                                  <p:childTnLst>
+                                    <p:set>
+                                      <p:cBhvr>
+                                        <p:cTn id="6" dur="1" fill="hold">
+                                          <p:stCondLst>
+                                            <p:cond delay="0"/>
+                                          </p:stCondLst>
+                                        </p:cTn>
+                                        <p:tgtEl>
+                                          <p:spTgt spid="9"/>
+                                        </p:tgtEl>
+                                        <p:attrNameLst>
+                                          <p:attrName>style.visibility</p:attrName>
+                                        </p:attrNameLst>
+                                      </p:cBhvr>
+                                      <p:to>
+                                        <p:strVal val="visible"/>
+                                      </p:to>
+                                    </p:set>
+                                    <p:animEffect transition="in" filter="fade">
+                                      <p:cBhvr>
+                                        <p:cTn id="7" dur="500"/>
+                                        <p:tgtEl>
+                                          <p:spTgt spid="9"/>
+                                        </p:tgtEl>
+                                      </p:cBhvr>
+                                    </p:animEffect>
+                                  </p:childTnLst>
+                                </p:cTn>
+                              </p:par>
+                            </p:childTnLst>
+                          </p:cTn>
+                        </p:par>
+                      </p:childTnLst>
+                    </p:cTn>
+                  </p:par>
+                </p:childTnLst>
+              </p:cTn>
+              <p:prevCondLst>
+                <p:cond evt="onPrev" delay="0">
+                  <p:tgtEl>
+                    <p:sldTgt/>
+                  </p:tgtEl>
+                </p:cond>
+              </p:prevCondLst>
+              <p:nextCondLst>
+                <p:cond evt="onNext" delay="0">
+                  <p:tgtEl>
+                    <p:sldTgt/>
+                  </p:tgtEl>
+                </p:cond>
+              </p:nextCondLst>
+            </p:seq>
+          </p:childTnLst>
+        </p:cTn>
+      </p:par>
+    </p:tnLst>
+    <p:bldLst>
+      <p:bldP spid="9" grpId="0" animBg="1"/>
+    </p:bldLst>
+  </p:timing>
 </p:sld>
 </file>
 
@@ -6667,7 +8275,7 @@
           <a:p>
             <a:r>
               <a:rPr kumimoji="1" lang="ja-JP" altLang="en-US" sz="3200" dirty="0"/>
-              <a:t>実験</a:t>
+              <a:t>実験結果</a:t>
             </a:r>
           </a:p>
         </p:txBody>
@@ -6701,212 +8309,42 @@
           <a:lstStyle/>
           <a:p>
             <a:r>
-              <a:rPr lang="en-US" altLang="ja-JP" sz="2000" dirty="0" err="1"/>
-              <a:t>s</a:t>
-            </a:r>
-            <a:r>
-              <a:rPr kumimoji="1" lang="en-US" altLang="ja-JP" sz="2000" dirty="0" err="1"/>
-              <a:t>sh</a:t>
-            </a:r>
-            <a:r>
-              <a:rPr kumimoji="1" lang="ja-JP" altLang="en-US" sz="2000" dirty="0"/>
-              <a:t>の設定を行うことで</a:t>
-            </a:r>
-            <a:r>
-              <a:rPr kumimoji="1" lang="en-US" altLang="ja-JP" sz="2000" dirty="0"/>
-              <a:t>master</a:t>
-            </a:r>
-            <a:r>
-              <a:rPr kumimoji="1" lang="ja-JP" altLang="en-US" sz="2000" dirty="0"/>
-              <a:t>上で</a:t>
-            </a:r>
-            <a:r>
-              <a:rPr kumimoji="1" lang="en-US" altLang="ja-JP" sz="2000" dirty="0"/>
-              <a:t>cluster</a:t>
-            </a:r>
-            <a:r>
-              <a:rPr kumimoji="1" lang="ja-JP" altLang="en-US" sz="2000" dirty="0"/>
-              <a:t>を操作できる</a:t>
-            </a:r>
-            <a:endParaRPr kumimoji="1" lang="en-US" altLang="ja-JP" sz="2000" dirty="0"/>
-          </a:p>
-          <a:p>
-            <a:pPr marL="457200" lvl="1" indent="0">
+              <a:rPr lang="ja-JP" altLang="en-US" sz="2000" dirty="0"/>
+              <a:t>文字列をすべてベクトルに変換する</a:t>
+            </a:r>
+            <a:endParaRPr lang="en-US" altLang="ja-JP" sz="2000" dirty="0"/>
+          </a:p>
+          <a:p>
+            <a:r>
+              <a:rPr lang="ja-JP" altLang="en-US" sz="2000" dirty="0"/>
+              <a:t>それらの文字列のベクトルにおいて全網羅の類似度を計算</a:t>
+            </a:r>
+            <a:endParaRPr lang="en-US" altLang="ja-JP" sz="2000" dirty="0"/>
+          </a:p>
+          <a:p>
+            <a:endParaRPr lang="en-US" altLang="ja-JP" sz="2000" dirty="0"/>
+          </a:p>
+          <a:p>
+            <a:endParaRPr lang="en-US" altLang="ja-JP" sz="2000" dirty="0"/>
+          </a:p>
+          <a:p>
+            <a:endParaRPr lang="en-US" altLang="ja-JP" sz="2000" dirty="0"/>
+          </a:p>
+          <a:p>
+            <a:endParaRPr lang="en-US" altLang="ja-JP" sz="2000" dirty="0"/>
+          </a:p>
+          <a:p>
+            <a:pPr marL="0" indent="0">
               <a:buNone/>
             </a:pPr>
-            <a:r>
-              <a:rPr lang="de-DE" altLang="ja-JP" sz="1600" dirty="0"/>
-              <a:t>pi@pi-master ~ $ ssh-keygen -t rsa</a:t>
-            </a:r>
-            <a:endParaRPr lang="en-US" altLang="ja-JP" sz="1600" dirty="0"/>
-          </a:p>
-          <a:p>
-            <a:pPr marL="457200" lvl="1" indent="0">
-              <a:buNone/>
-            </a:pPr>
-            <a:r>
-              <a:rPr kumimoji="1" lang="en-US" altLang="ja-JP" sz="1600" dirty="0" err="1"/>
-              <a:t>pi@pi-master</a:t>
-            </a:r>
-            <a:r>
-              <a:rPr kumimoji="1" lang="en-US" altLang="ja-JP" sz="1600" dirty="0"/>
-              <a:t> ~ $ cat ~/.</a:t>
-            </a:r>
-            <a:r>
-              <a:rPr kumimoji="1" lang="en-US" altLang="ja-JP" sz="1600" dirty="0" err="1"/>
-              <a:t>ssh</a:t>
-            </a:r>
-            <a:r>
-              <a:rPr kumimoji="1" lang="en-US" altLang="ja-JP" sz="1600" dirty="0"/>
-              <a:t>/id_rsa.pub | </a:t>
-            </a:r>
-            <a:r>
-              <a:rPr kumimoji="1" lang="en-US" altLang="ja-JP" sz="1600" dirty="0" err="1"/>
-              <a:t>ssh</a:t>
-            </a:r>
-            <a:r>
-              <a:rPr kumimoji="1" lang="en-US" altLang="ja-JP" sz="1600" dirty="0"/>
-              <a:t> pi@192.168.213.47 "test -d ~/.</a:t>
-            </a:r>
-            <a:r>
-              <a:rPr kumimoji="1" lang="en-US" altLang="ja-JP" sz="1600" dirty="0" err="1"/>
-              <a:t>ssh</a:t>
-            </a:r>
-            <a:r>
-              <a:rPr kumimoji="1" lang="en-US" altLang="ja-JP" sz="1600" dirty="0"/>
-              <a:t> || </a:t>
-            </a:r>
-            <a:r>
-              <a:rPr kumimoji="1" lang="en-US" altLang="ja-JP" sz="1600" dirty="0" err="1"/>
-              <a:t>mkdir</a:t>
-            </a:r>
-            <a:r>
-              <a:rPr kumimoji="1" lang="en-US" altLang="ja-JP" sz="1600" dirty="0"/>
-              <a:t> .</a:t>
-            </a:r>
-            <a:r>
-              <a:rPr kumimoji="1" lang="en-US" altLang="ja-JP" sz="1600" dirty="0" err="1"/>
-              <a:t>ssh;cat</a:t>
-            </a:r>
-            <a:r>
-              <a:rPr kumimoji="1" lang="en-US" altLang="ja-JP" sz="1600" dirty="0"/>
-              <a:t> &gt;&gt; .</a:t>
-            </a:r>
-            <a:r>
-              <a:rPr kumimoji="1" lang="en-US" altLang="ja-JP" sz="1600" dirty="0" err="1"/>
-              <a:t>ssh</a:t>
-            </a:r>
-            <a:r>
-              <a:rPr kumimoji="1" lang="en-US" altLang="ja-JP" sz="1600" dirty="0"/>
-              <a:t>/</a:t>
-            </a:r>
-            <a:r>
-              <a:rPr kumimoji="1" lang="en-US" altLang="ja-JP" sz="1600" dirty="0" err="1"/>
-              <a:t>authorized_keys</a:t>
-            </a:r>
-            <a:r>
-              <a:rPr kumimoji="1" lang="en-US" altLang="ja-JP" sz="1600" dirty="0"/>
-              <a:t>“</a:t>
-            </a:r>
-          </a:p>
-          <a:p>
             <a:endParaRPr lang="en-US" altLang="ja-JP" sz="2000" dirty="0"/>
           </a:p>
           <a:p>
-            <a:pPr marL="457200" lvl="1" indent="0">
-              <a:buNone/>
-            </a:pPr>
-            <a:r>
-              <a:rPr kumimoji="1" lang="en-US" altLang="ja-JP" sz="1600" dirty="0" err="1"/>
-              <a:t>pi@pi-master</a:t>
-            </a:r>
-            <a:r>
-              <a:rPr kumimoji="1" lang="en-US" altLang="ja-JP" sz="1600" dirty="0"/>
-              <a:t> ~ $ </a:t>
-            </a:r>
-            <a:r>
-              <a:rPr kumimoji="1" lang="en-US" altLang="ja-JP" sz="1600" dirty="0" err="1"/>
-              <a:t>ssh</a:t>
-            </a:r>
-            <a:r>
-              <a:rPr kumimoji="1" lang="en-US" altLang="ja-JP" sz="1600" dirty="0"/>
-              <a:t> pi@192.168.213.47</a:t>
-            </a:r>
-          </a:p>
-          <a:p>
-            <a:pPr marL="457200" lvl="1" indent="0">
-              <a:buNone/>
-            </a:pPr>
-            <a:r>
-              <a:rPr kumimoji="1" lang="en-US" altLang="ja-JP" sz="1600" dirty="0"/>
-              <a:t>pi@pi-cluster1 ~ $</a:t>
-            </a:r>
-          </a:p>
-          <a:p>
+            <a:r>
+              <a:rPr lang="ja-JP" altLang="en-US" sz="2000" dirty="0"/>
+              <a:t>計算値を二次元配列上に保持→</a:t>
+            </a:r>
             <a:endParaRPr lang="en-US" altLang="ja-JP" sz="2000" dirty="0"/>
-          </a:p>
-          <a:p>
-            <a:r>
-              <a:rPr lang="en-US" altLang="ja-JP" sz="2000" dirty="0"/>
-              <a:t>Python</a:t>
-            </a:r>
-            <a:r>
-              <a:rPr lang="ja-JP" altLang="en-US" sz="2000" dirty="0"/>
-              <a:t>で並列計算を行うために、</a:t>
-            </a:r>
-            <a:r>
-              <a:rPr lang="en-US" altLang="ja-JP" sz="2000" dirty="0"/>
-              <a:t>MPI4PY</a:t>
-            </a:r>
-            <a:r>
-              <a:rPr lang="ja-JP" altLang="en-US" sz="2000" dirty="0"/>
-              <a:t>を用いる</a:t>
-            </a:r>
-            <a:endParaRPr lang="en-US" altLang="ja-JP" sz="2000" dirty="0"/>
-          </a:p>
-          <a:p>
-            <a:pPr marL="457200" lvl="1" indent="0">
-              <a:buNone/>
-            </a:pPr>
-            <a:r>
-              <a:rPr kumimoji="1" lang="en-US" altLang="ja-JP" sz="1600" dirty="0" err="1"/>
-              <a:t>sudo</a:t>
-            </a:r>
-            <a:r>
-              <a:rPr kumimoji="1" lang="en-US" altLang="ja-JP" sz="1600" dirty="0"/>
-              <a:t> apt-get install </a:t>
-            </a:r>
-            <a:r>
-              <a:rPr kumimoji="1" lang="en-US" altLang="ja-JP" sz="1600" dirty="0" err="1"/>
-              <a:t>openmpi</a:t>
-            </a:r>
-            <a:r>
-              <a:rPr kumimoji="1" lang="en-US" altLang="ja-JP" sz="1600" dirty="0"/>
-              <a:t>-bin </a:t>
-            </a:r>
-            <a:r>
-              <a:rPr kumimoji="1" lang="en-US" altLang="ja-JP" sz="1600" dirty="0" err="1"/>
-              <a:t>libopenmpi</a:t>
-            </a:r>
-            <a:r>
-              <a:rPr kumimoji="1" lang="en-US" altLang="ja-JP" sz="1600" dirty="0"/>
-              <a:t>-dev</a:t>
-            </a:r>
-          </a:p>
-          <a:p>
-            <a:pPr marL="457200" lvl="1" indent="0">
-              <a:buNone/>
-            </a:pPr>
-            <a:r>
-              <a:rPr kumimoji="1" lang="en-US" altLang="ja-JP" sz="1600" dirty="0"/>
-              <a:t>pip3 install mpi4py</a:t>
-            </a:r>
-          </a:p>
-          <a:p>
-            <a:endParaRPr kumimoji="1" lang="en-US" altLang="ja-JP" sz="2000" dirty="0"/>
-          </a:p>
-          <a:p>
-            <a:endParaRPr kumimoji="1" lang="ja-JP" altLang="en-US" sz="2000" dirty="0"/>
           </a:p>
         </p:txBody>
       </p:sp>
@@ -7002,10 +8440,70 @@
           </a:p>
         </p:txBody>
       </p:sp>
+      <p:pic>
+        <p:nvPicPr>
+          <p:cNvPr id="8" name="図 7">
+            <a:extLst>
+              <a:ext uri="{FF2B5EF4-FFF2-40B4-BE49-F238E27FC236}">
+                <a16:creationId xmlns:a16="http://schemas.microsoft.com/office/drawing/2014/main" id="{463BEAF1-BD1F-AD07-A5DC-9C816386F013}"/>
+              </a:ext>
+            </a:extLst>
+          </p:cNvPr>
+          <p:cNvPicPr>
+            <a:picLocks noChangeAspect="1"/>
+          </p:cNvPicPr>
+          <p:nvPr/>
+        </p:nvPicPr>
+        <p:blipFill>
+          <a:blip r:embed="rId2"/>
+          <a:stretch>
+            <a:fillRect/>
+          </a:stretch>
+        </p:blipFill>
+        <p:spPr>
+          <a:xfrm>
+            <a:off x="1183861" y="1757579"/>
+            <a:ext cx="2343270" cy="1676486"/>
+          </a:xfrm>
+          <a:prstGeom prst="rect">
+            <a:avLst/>
+          </a:prstGeom>
+        </p:spPr>
+      </p:pic>
+      <p:pic>
+        <p:nvPicPr>
+          <p:cNvPr id="13" name="図 12">
+            <a:extLst>
+              <a:ext uri="{FF2B5EF4-FFF2-40B4-BE49-F238E27FC236}">
+                <a16:creationId xmlns:a16="http://schemas.microsoft.com/office/drawing/2014/main" id="{042AA38F-BC57-EA63-E982-0AD874794B33}"/>
+              </a:ext>
+            </a:extLst>
+          </p:cNvPr>
+          <p:cNvPicPr>
+            <a:picLocks noChangeAspect="1"/>
+          </p:cNvPicPr>
+          <p:nvPr/>
+        </p:nvPicPr>
+        <p:blipFill>
+          <a:blip r:embed="rId3"/>
+          <a:stretch>
+            <a:fillRect/>
+          </a:stretch>
+        </p:blipFill>
+        <p:spPr>
+          <a:xfrm>
+            <a:off x="4716971" y="2296865"/>
+            <a:ext cx="3702240" cy="3753043"/>
+          </a:xfrm>
+          <a:prstGeom prst="rect">
+            <a:avLst/>
+          </a:prstGeom>
+        </p:spPr>
+      </p:pic>
     </p:spTree>
     <p:extLst>
       <p:ext uri="{BB962C8B-B14F-4D97-AF65-F5344CB8AC3E}">
-        <p14:creationId xmlns:p14="http://schemas.microsoft.com/office/powerpoint/2010/main" val="2099665259"/>
+        <p14:creationId xmlns:p14="http://schemas.microsoft.com/office/powerpoint/2010/main" val="3283077787"/>
       </p:ext>
     </p:extLst>
   </p:cSld>
@@ -7034,6 +8532,50 @@
       </p:grpSpPr>
       <p:sp>
         <p:nvSpPr>
+          <p:cNvPr id="9" name="正方形/長方形 8">
+            <a:extLst>
+              <a:ext uri="{FF2B5EF4-FFF2-40B4-BE49-F238E27FC236}">
+                <a16:creationId xmlns:a16="http://schemas.microsoft.com/office/drawing/2014/main" id="{7A4FC512-B538-A3E4-5AFD-F143FE3DDB07}"/>
+              </a:ext>
+            </a:extLst>
+          </p:cNvPr>
+          <p:cNvSpPr/>
+          <p:nvPr/>
+        </p:nvSpPr>
+        <p:spPr>
+          <a:xfrm>
+            <a:off x="838200" y="2587077"/>
+            <a:ext cx="7681332" cy="1115122"/>
+          </a:xfrm>
+          <a:prstGeom prst="rect">
+            <a:avLst/>
+          </a:prstGeom>
+        </p:spPr>
+        <p:style>
+          <a:lnRef idx="1">
+            <a:schemeClr val="accent5"/>
+          </a:lnRef>
+          <a:fillRef idx="2">
+            <a:schemeClr val="accent5"/>
+          </a:fillRef>
+          <a:effectRef idx="1">
+            <a:schemeClr val="accent5"/>
+          </a:effectRef>
+          <a:fontRef idx="minor">
+            <a:schemeClr val="dk1"/>
+          </a:fontRef>
+        </p:style>
+        <p:txBody>
+          <a:bodyPr rtlCol="0" anchor="ctr"/>
+          <a:lstStyle/>
+          <a:p>
+            <a:pPr algn="ctr"/>
+            <a:endParaRPr kumimoji="1" lang="ja-JP" altLang="en-US"/>
+          </a:p>
+        </p:txBody>
+      </p:sp>
+      <p:sp>
+        <p:nvSpPr>
           <p:cNvPr id="2" name="タイトル 1">
             <a:extLst>
               <a:ext uri="{FF2B5EF4-FFF2-40B4-BE49-F238E27FC236}">
@@ -7095,151 +8637,78 @@
           </a:bodyPr>
           <a:lstStyle/>
           <a:p>
-            <a:r>
-              <a:rPr kumimoji="1" lang="ja-JP" altLang="en-US" sz="2000" dirty="0"/>
-              <a:t>命令を同時に実行する</a:t>
-            </a:r>
-            <a:endParaRPr kumimoji="1" lang="en-US" altLang="ja-JP" sz="2000" dirty="0"/>
-          </a:p>
-          <a:p>
             <a:pPr marL="0" indent="0">
               <a:buNone/>
             </a:pPr>
             <a:r>
+              <a:rPr kumimoji="1" lang="ja-JP" altLang="en-US" sz="2000" dirty="0"/>
+              <a:t>仮想的に文字列ネットワークを用いて</a:t>
+            </a:r>
+            <a:r>
+              <a:rPr kumimoji="1" lang="en-US" altLang="ja-JP" sz="2000" dirty="0"/>
+              <a:t>SAP-Net</a:t>
+            </a:r>
+            <a:r>
+              <a:rPr kumimoji="1" lang="ja-JP" altLang="en-US" sz="2000" dirty="0"/>
+              <a:t>を再現</a:t>
+            </a:r>
+            <a:endParaRPr kumimoji="1" lang="en-US" altLang="ja-JP" sz="2000" dirty="0"/>
+          </a:p>
+          <a:p>
+            <a:r>
               <a:rPr lang="ja-JP" altLang="en-US" sz="2000" dirty="0"/>
-              <a:t>　・</a:t>
-            </a:r>
-            <a:r>
-              <a:rPr lang="en-US" altLang="ja-JP" sz="2000" dirty="0"/>
-              <a:t>machines.txt</a:t>
-            </a:r>
+              <a:t>文字列をすべてベクトルに変換する</a:t>
+            </a:r>
+            <a:endParaRPr lang="en-US" altLang="ja-JP" sz="2000" dirty="0"/>
+          </a:p>
+          <a:p>
             <a:r>
               <a:rPr lang="ja-JP" altLang="en-US" sz="2000" dirty="0"/>
-              <a:t>に全てのホストをリスト</a:t>
+              <a:t>それらの文字列のベクトルにおいて全網羅の類似度を計算</a:t>
             </a:r>
             <a:endParaRPr lang="en-US" altLang="ja-JP" sz="2000" dirty="0"/>
           </a:p>
           <a:p>
-            <a:pPr marL="457200" lvl="1" indent="0">
-              <a:buNone/>
-            </a:pPr>
-            <a:r>
-              <a:rPr lang="en-US" altLang="ja-JP" sz="1600" dirty="0"/>
-              <a:t>192.168.213.46 #pi-master</a:t>
-            </a:r>
-          </a:p>
-          <a:p>
-            <a:pPr marL="457200" lvl="1" indent="0">
-              <a:buNone/>
-            </a:pPr>
-            <a:r>
-              <a:rPr lang="en-US" altLang="ja-JP" sz="1600" dirty="0"/>
-              <a:t>192.168.213.47 #pi-cluster1</a:t>
-            </a:r>
-          </a:p>
-          <a:p>
-            <a:pPr marL="457200" lvl="1" indent="0">
-              <a:buNone/>
-            </a:pPr>
-            <a:r>
-              <a:rPr lang="en-US" altLang="ja-JP" sz="1600" dirty="0"/>
-              <a:t>192.168.213.48 #pi-cluster2</a:t>
-            </a:r>
-          </a:p>
-          <a:p>
-            <a:pPr marL="457200" lvl="1" indent="0">
-              <a:buNone/>
-            </a:pPr>
-            <a:r>
-              <a:rPr lang="en-US" altLang="ja-JP" sz="1600" dirty="0"/>
-              <a:t>192.168.213.49 #pi-cluster3</a:t>
-            </a:r>
-          </a:p>
-          <a:p>
-            <a:pPr marL="457200" lvl="1" indent="0">
-              <a:buNone/>
-            </a:pPr>
-            <a:endParaRPr lang="en-US" altLang="ja-JP" sz="1600" dirty="0"/>
-          </a:p>
-          <a:p>
-            <a:endParaRPr kumimoji="1" lang="en-US" altLang="ja-JP" sz="2000" dirty="0"/>
-          </a:p>
-          <a:p>
-            <a:pPr marL="0" indent="0">
-              <a:buNone/>
-            </a:pPr>
             <a:r>
               <a:rPr lang="ja-JP" altLang="en-US" sz="2000" dirty="0"/>
-              <a:t>　・命令をする</a:t>
+              <a:t>計算値を二次元配列上に保持</a:t>
             </a:r>
             <a:endParaRPr lang="en-US" altLang="ja-JP" sz="2000" dirty="0"/>
           </a:p>
           <a:p>
-            <a:pPr marL="457200" lvl="1" indent="0">
-              <a:buNone/>
-            </a:pPr>
-            <a:r>
-              <a:rPr kumimoji="1" lang="en-US" altLang="ja-JP" sz="1600" dirty="0" err="1"/>
-              <a:t>pi@pi-master</a:t>
-            </a:r>
-            <a:r>
-              <a:rPr kumimoji="1" lang="en-US" altLang="ja-JP" sz="1600" dirty="0"/>
-              <a:t> ~/</a:t>
-            </a:r>
-            <a:r>
-              <a:rPr kumimoji="1" lang="en-US" altLang="ja-JP" sz="1600" dirty="0" err="1"/>
-              <a:t>mpi</a:t>
-            </a:r>
-            <a:r>
-              <a:rPr kumimoji="1" lang="en-US" altLang="ja-JP" sz="1600" dirty="0"/>
-              <a:t> $ </a:t>
-            </a:r>
-            <a:r>
-              <a:rPr kumimoji="1" lang="en-US" altLang="ja-JP" sz="1600" dirty="0" err="1"/>
-              <a:t>mpirun</a:t>
-            </a:r>
-            <a:r>
-              <a:rPr kumimoji="1" lang="en-US" altLang="ja-JP" sz="1600" dirty="0"/>
-              <a:t> -n 16 </a:t>
-            </a:r>
-          </a:p>
-          <a:p>
-            <a:pPr marL="457200" lvl="1" indent="0">
-              <a:buNone/>
-            </a:pPr>
-            <a:r>
-              <a:rPr kumimoji="1" lang="en-US" altLang="ja-JP" sz="1600" dirty="0"/>
-              <a:t>-</a:t>
-            </a:r>
-            <a:r>
-              <a:rPr kumimoji="1" lang="en-US" altLang="ja-JP" sz="1600" dirty="0" err="1"/>
-              <a:t>machinefile</a:t>
-            </a:r>
-            <a:r>
-              <a:rPr kumimoji="1" lang="en-US" altLang="ja-JP" sz="1600" dirty="0"/>
-              <a:t> machines.txt hostname</a:t>
-            </a:r>
-          </a:p>
-          <a:p>
+            <a:r>
+              <a:rPr lang="ja-JP" altLang="en-US" sz="2000" dirty="0"/>
+              <a:t>二次元配列上の値を活性値とし、正規化</a:t>
+            </a:r>
             <a:endParaRPr lang="en-US" altLang="ja-JP" sz="2000" dirty="0"/>
           </a:p>
           <a:p>
-            <a:endParaRPr kumimoji="1" lang="en-US" altLang="ja-JP" sz="2000" dirty="0"/>
-          </a:p>
-          <a:p>
+            <a:r>
+              <a:rPr lang="ja-JP" altLang="en-US" sz="2000" dirty="0"/>
+              <a:t>入力文字列に対して活性値を現状値に加算し活性化（順次）</a:t>
+            </a:r>
             <a:endParaRPr lang="en-US" altLang="ja-JP" sz="2000" dirty="0"/>
           </a:p>
           <a:p>
-            <a:endParaRPr kumimoji="1" lang="en-US" altLang="ja-JP" sz="2000" dirty="0"/>
-          </a:p>
-          <a:p>
+            <a:r>
+              <a:rPr lang="ja-JP" altLang="en-US" sz="2000" dirty="0"/>
+              <a:t>活性値１を超えた時その知識を活性値とする</a:t>
+            </a:r>
             <a:endParaRPr lang="en-US" altLang="ja-JP" sz="2000" dirty="0"/>
           </a:p>
           <a:p>
-            <a:endParaRPr kumimoji="1" lang="en-US" altLang="ja-JP" sz="2000" dirty="0"/>
-          </a:p>
-          <a:p>
-            <a:endParaRPr kumimoji="1" lang="en-US" altLang="ja-JP" sz="2000" dirty="0"/>
+            <a:r>
+              <a:rPr lang="ja-JP" altLang="en-US" sz="2000" dirty="0"/>
+              <a:t>複数回の入力を想定し、忘却機能を実装</a:t>
+            </a:r>
+            <a:endParaRPr lang="en-US" altLang="ja-JP" sz="2000" dirty="0"/>
+          </a:p>
+          <a:p>
+            <a:r>
+              <a:rPr lang="ja-JP" altLang="en-US" sz="2000" dirty="0"/>
+              <a:t>各活性化の末尾に忘却関数を呼び出し、活性値の減少を行う</a:t>
+            </a:r>
+            <a:endParaRPr lang="en-US" altLang="ja-JP" sz="2000" dirty="0"/>
           </a:p>
         </p:txBody>
       </p:sp>
@@ -7335,52 +8804,102 @@
           </a:p>
         </p:txBody>
       </p:sp>
-      <p:pic>
-        <p:nvPicPr>
-          <p:cNvPr id="9" name="図 8" descr="テキスト&#10;&#10;自動的に生成された説明">
-            <a:extLst>
-              <a:ext uri="{FF2B5EF4-FFF2-40B4-BE49-F238E27FC236}">
-                <a16:creationId xmlns:a16="http://schemas.microsoft.com/office/drawing/2014/main" id="{43B530B3-7829-15D7-7B1A-828F44D172AD}"/>
-              </a:ext>
-            </a:extLst>
-          </p:cNvPr>
-          <p:cNvPicPr>
-            <a:picLocks noChangeAspect="1"/>
-          </p:cNvPicPr>
-          <p:nvPr/>
-        </p:nvPicPr>
-        <p:blipFill>
-          <a:blip r:embed="rId2">
-            <a:extLst>
-              <a:ext uri="{28A0092B-C50C-407E-A947-70E740481C1C}">
-                <a14:useLocalDpi xmlns:a14="http://schemas.microsoft.com/office/drawing/2010/main" val="0"/>
-              </a:ext>
-            </a:extLst>
-          </a:blip>
-          <a:stretch>
-            <a:fillRect/>
-          </a:stretch>
-        </p:blipFill>
-        <p:spPr>
-          <a:xfrm>
-            <a:off x="5758008" y="975359"/>
-            <a:ext cx="6433992" cy="4369435"/>
-          </a:xfrm>
-          <a:prstGeom prst="rect">
-            <a:avLst/>
-          </a:prstGeom>
-        </p:spPr>
-      </p:pic>
     </p:spTree>
     <p:extLst>
       <p:ext uri="{BB962C8B-B14F-4D97-AF65-F5344CB8AC3E}">
-        <p14:creationId xmlns:p14="http://schemas.microsoft.com/office/powerpoint/2010/main" val="3283077787"/>
+        <p14:creationId xmlns:p14="http://schemas.microsoft.com/office/powerpoint/2010/main" val="2067228763"/>
       </p:ext>
     </p:extLst>
   </p:cSld>
   <p:clrMapOvr>
     <a:masterClrMapping/>
   </p:clrMapOvr>
+  <p:timing>
+    <p:tnLst>
+      <p:par>
+        <p:cTn id="1" dur="indefinite" restart="never" nodeType="tmRoot">
+          <p:childTnLst>
+            <p:seq concurrent="1" nextAc="seek">
+              <p:cTn id="2" dur="indefinite" nodeType="mainSeq">
+                <p:childTnLst>
+                  <p:par>
+                    <p:cTn id="3" fill="hold">
+                      <p:stCondLst>
+                        <p:cond delay="indefinite"/>
+                      </p:stCondLst>
+                      <p:childTnLst>
+                        <p:par>
+                          <p:cTn id="4" fill="hold">
+                            <p:stCondLst>
+                              <p:cond delay="0"/>
+                            </p:stCondLst>
+                            <p:childTnLst>
+                              <p:par>
+                                <p:cTn id="5" presetID="10" presetClass="entr" presetSubtype="0" fill="hold" grpId="0" nodeType="clickEffect">
+                                  <p:stCondLst>
+                                    <p:cond delay="0"/>
+                                  </p:stCondLst>
+                                  <p:childTnLst>
+                                    <p:set>
+                                      <p:cBhvr>
+                                        <p:cTn id="6" dur="1" fill="hold">
+                                          <p:stCondLst>
+                                            <p:cond delay="0"/>
+                                          </p:stCondLst>
+                                        </p:cTn>
+                                        <p:tgtEl>
+                                          <p:spTgt spid="9"/>
+                                        </p:tgtEl>
+                                        <p:attrNameLst>
+                                          <p:attrName>style.visibility</p:attrName>
+                                        </p:attrNameLst>
+                                      </p:cBhvr>
+                                      <p:to>
+                                        <p:strVal val="visible"/>
+                                      </p:to>
+                                    </p:set>
+                                    <p:animEffect transition="in" filter="fade">
+                                      <p:cBhvr>
+                                        <p:cTn id="7" dur="500"/>
+                                        <p:tgtEl>
+                                          <p:spTgt spid="9"/>
+                                        </p:tgtEl>
+                                      </p:cBhvr>
+                                    </p:animEffect>
+                                  </p:childTnLst>
+                                </p:cTn>
+                              </p:par>
+                            </p:childTnLst>
+                          </p:cTn>
+                        </p:par>
+                      </p:childTnLst>
+                    </p:cTn>
+                  </p:par>
+                </p:childTnLst>
+              </p:cTn>
+              <p:prevCondLst>
+                <p:cond evt="onPrev" delay="0">
+                  <p:tgtEl>
+                    <p:sldTgt/>
+                  </p:tgtEl>
+                </p:cond>
+              </p:prevCondLst>
+              <p:nextCondLst>
+                <p:cond evt="onNext" delay="0">
+                  <p:tgtEl>
+                    <p:sldTgt/>
+                  </p:tgtEl>
+                </p:cond>
+              </p:nextCondLst>
+            </p:seq>
+          </p:childTnLst>
+        </p:cTn>
+      </p:par>
+    </p:tnLst>
+    <p:bldLst>
+      <p:bldP spid="9" grpId="0" animBg="1"/>
+    </p:bldLst>
+  </p:timing>
 </p:sld>
 </file>
 
